--- a/tutorial/programming_competition_skill.pptx
+++ b/tutorial/programming_competition_skill.pptx
@@ -5,7 +5,7 @@
     <p:sldMasterId id="2147483657" r:id="rId1"/>
   </p:sldMasterIdLst>
   <p:notesMasterIdLst>
-    <p:notesMasterId r:id="rId25"/>
+    <p:notesMasterId r:id="rId24"/>
   </p:notesMasterIdLst>
   <p:sldIdLst>
     <p:sldId id="256" r:id="rId2"/>
@@ -19,42 +19,41 @@
     <p:sldId id="305" r:id="rId10"/>
     <p:sldId id="306" r:id="rId11"/>
     <p:sldId id="307" r:id="rId12"/>
-    <p:sldId id="308" r:id="rId13"/>
-    <p:sldId id="309" r:id="rId14"/>
-    <p:sldId id="310" r:id="rId15"/>
-    <p:sldId id="311" r:id="rId16"/>
-    <p:sldId id="312" r:id="rId17"/>
-    <p:sldId id="313" r:id="rId18"/>
-    <p:sldId id="314" r:id="rId19"/>
-    <p:sldId id="315" r:id="rId20"/>
-    <p:sldId id="316" r:id="rId21"/>
-    <p:sldId id="317" r:id="rId22"/>
-    <p:sldId id="318" r:id="rId23"/>
-    <p:sldId id="319" r:id="rId24"/>
+    <p:sldId id="309" r:id="rId13"/>
+    <p:sldId id="310" r:id="rId14"/>
+    <p:sldId id="311" r:id="rId15"/>
+    <p:sldId id="312" r:id="rId16"/>
+    <p:sldId id="313" r:id="rId17"/>
+    <p:sldId id="314" r:id="rId18"/>
+    <p:sldId id="315" r:id="rId19"/>
+    <p:sldId id="316" r:id="rId20"/>
+    <p:sldId id="317" r:id="rId21"/>
+    <p:sldId id="318" r:id="rId22"/>
+    <p:sldId id="319" r:id="rId23"/>
   </p:sldIdLst>
   <p:sldSz cx="9144000" cy="5143500" type="screen16x9"/>
   <p:notesSz cx="6858000" cy="9144000"/>
   <p:embeddedFontLst>
     <p:embeddedFont>
       <p:font typeface="Cambria Math" panose="02040503050406030204" pitchFamily="18" charset="0"/>
-      <p:regular r:id="rId26"/>
+      <p:regular r:id="rId25"/>
     </p:embeddedFont>
     <p:embeddedFont>
       <p:font typeface="Proxima Nova" panose="02020500000000000000" charset="0"/>
-      <p:regular r:id="rId27"/>
-      <p:bold r:id="rId28"/>
-      <p:italic r:id="rId29"/>
-      <p:boldItalic r:id="rId30"/>
+      <p:regular r:id="rId26"/>
+      <p:bold r:id="rId27"/>
+      <p:italic r:id="rId28"/>
+      <p:boldItalic r:id="rId29"/>
     </p:embeddedFont>
     <p:embeddedFont>
       <p:font typeface="微軟正黑體" panose="020B0604030504040204" pitchFamily="34" charset="-120"/>
-      <p:regular r:id="rId31"/>
-      <p:bold r:id="rId32"/>
+      <p:regular r:id="rId30"/>
+      <p:bold r:id="rId31"/>
     </p:embeddedFont>
     <p:embeddedFont>
       <p:font typeface="微軟正黑體" panose="020B0604030504040204" pitchFamily="34" charset="-120"/>
-      <p:regular r:id="rId31"/>
-      <p:bold r:id="rId32"/>
+      <p:regular r:id="rId30"/>
+      <p:bold r:id="rId31"/>
     </p:embeddedFont>
   </p:embeddedFontLst>
   <p:defaultTextStyle>
@@ -1377,7 +1376,7 @@
     </p:spTree>
     <p:extLst>
       <p:ext uri="{BB962C8B-B14F-4D97-AF65-F5344CB8AC3E}">
-        <p14:creationId xmlns:p14="http://schemas.microsoft.com/office/powerpoint/2010/main" val="138183639"/>
+        <p14:creationId xmlns:p14="http://schemas.microsoft.com/office/powerpoint/2010/main" val="2594591229"/>
       </p:ext>
     </p:extLst>
   </p:cSld>
@@ -1504,7 +1503,7 @@
     </p:spTree>
     <p:extLst>
       <p:ext uri="{BB962C8B-B14F-4D97-AF65-F5344CB8AC3E}">
-        <p14:creationId xmlns:p14="http://schemas.microsoft.com/office/powerpoint/2010/main" val="2594591229"/>
+        <p14:creationId xmlns:p14="http://schemas.microsoft.com/office/powerpoint/2010/main" val="1170820396"/>
       </p:ext>
     </p:extLst>
   </p:cSld>
@@ -1631,7 +1630,7 @@
     </p:spTree>
     <p:extLst>
       <p:ext uri="{BB962C8B-B14F-4D97-AF65-F5344CB8AC3E}">
-        <p14:creationId xmlns:p14="http://schemas.microsoft.com/office/powerpoint/2010/main" val="1170820396"/>
+        <p14:creationId xmlns:p14="http://schemas.microsoft.com/office/powerpoint/2010/main" val="1617654713"/>
       </p:ext>
     </p:extLst>
   </p:cSld>
@@ -1642,6 +1641,133 @@
 </file>
 
 <file path=ppt/notesSlides/notesSlide15.xml><?xml version="1.0" encoding="utf-8"?>
+<p:notes xmlns:a="http://schemas.openxmlformats.org/drawingml/2006/main" xmlns:r="http://schemas.openxmlformats.org/officeDocument/2006/relationships" xmlns:p="http://schemas.openxmlformats.org/presentationml/2006/main" showMasterSp="0" showMasterPhAnim="0">
+  <p:cSld>
+    <p:spTree>
+      <p:nvGrpSpPr>
+        <p:cNvPr id="1" name="Shape 53"/>
+        <p:cNvGrpSpPr/>
+        <p:nvPr/>
+      </p:nvGrpSpPr>
+      <p:grpSpPr>
+        <a:xfrm>
+          <a:off x="0" y="0"/>
+          <a:ext cx="0" cy="0"/>
+          <a:chOff x="0" y="0"/>
+          <a:chExt cx="0" cy="0"/>
+        </a:xfrm>
+      </p:grpSpPr>
+      <p:sp>
+        <p:nvSpPr>
+          <p:cNvPr id="54" name="Google Shape;54;p2:notes"/>
+          <p:cNvSpPr>
+            <a:spLocks noGrp="1" noRot="1" noChangeAspect="1"/>
+          </p:cNvSpPr>
+          <p:nvPr>
+            <p:ph type="sldImg" idx="2"/>
+          </p:nvPr>
+        </p:nvSpPr>
+        <p:spPr>
+          <a:xfrm>
+            <a:off x="381000" y="685800"/>
+            <a:ext cx="6096000" cy="3429000"/>
+          </a:xfrm>
+          <a:custGeom>
+            <a:avLst/>
+            <a:gdLst/>
+            <a:ahLst/>
+            <a:cxnLst/>
+            <a:rect l="l" t="t" r="r" b="b"/>
+            <a:pathLst>
+              <a:path w="120000" h="120000" extrusionOk="0">
+                <a:moveTo>
+                  <a:pt x="0" y="0"/>
+                </a:moveTo>
+                <a:lnTo>
+                  <a:pt x="120000" y="0"/>
+                </a:lnTo>
+                <a:lnTo>
+                  <a:pt x="120000" y="120000"/>
+                </a:lnTo>
+                <a:lnTo>
+                  <a:pt x="0" y="120000"/>
+                </a:lnTo>
+                <a:close/>
+              </a:path>
+            </a:pathLst>
+          </a:custGeom>
+          <a:noFill/>
+          <a:ln w="9525" cap="flat" cmpd="sng">
+            <a:solidFill>
+              <a:srgbClr val="000000"/>
+            </a:solidFill>
+            <a:prstDash val="solid"/>
+            <a:round/>
+            <a:headEnd type="none" w="sm" len="sm"/>
+            <a:tailEnd type="none" w="sm" len="sm"/>
+          </a:ln>
+        </p:spPr>
+      </p:sp>
+      <p:sp>
+        <p:nvSpPr>
+          <p:cNvPr id="55" name="Google Shape;55;p2:notes"/>
+          <p:cNvSpPr txBox="1">
+            <a:spLocks noGrp="1"/>
+          </p:cNvSpPr>
+          <p:nvPr>
+            <p:ph type="body" idx="1"/>
+          </p:nvPr>
+        </p:nvSpPr>
+        <p:spPr>
+          <a:xfrm>
+            <a:off x="685800" y="4343400"/>
+            <a:ext cx="5486400" cy="4114800"/>
+          </a:xfrm>
+          <a:prstGeom prst="rect">
+            <a:avLst/>
+          </a:prstGeom>
+          <a:noFill/>
+          <a:ln>
+            <a:noFill/>
+          </a:ln>
+        </p:spPr>
+        <p:txBody>
+          <a:bodyPr spcFirstLastPara="1" wrap="square" lIns="91425" tIns="91425" rIns="91425" bIns="91425" anchor="t" anchorCtr="0">
+            <a:noAutofit/>
+          </a:bodyPr>
+          <a:lstStyle/>
+          <a:p>
+            <a:pPr marL="0" lvl="0" indent="0" algn="l" rtl="0">
+              <a:lnSpc>
+                <a:spcPct val="100000"/>
+              </a:lnSpc>
+              <a:spcBef>
+                <a:spcPts val="0"/>
+              </a:spcBef>
+              <a:spcAft>
+                <a:spcPts val="0"/>
+              </a:spcAft>
+              <a:buSzPts val="1100"/>
+              <a:buNone/>
+            </a:pPr>
+            <a:endParaRPr/>
+          </a:p>
+        </p:txBody>
+      </p:sp>
+    </p:spTree>
+    <p:extLst>
+      <p:ext uri="{BB962C8B-B14F-4D97-AF65-F5344CB8AC3E}">
+        <p14:creationId xmlns:p14="http://schemas.microsoft.com/office/powerpoint/2010/main" val="1503840861"/>
+      </p:ext>
+    </p:extLst>
+  </p:cSld>
+  <p:clrMapOvr>
+    <a:masterClrMapping/>
+  </p:clrMapOvr>
+</p:notes>
+</file>
+
+<file path=ppt/notesSlides/notesSlide16.xml><?xml version="1.0" encoding="utf-8"?>
 <p:notes xmlns:a="http://schemas.openxmlformats.org/drawingml/2006/main" xmlns:r="http://schemas.openxmlformats.org/officeDocument/2006/relationships" xmlns:p="http://schemas.openxmlformats.org/presentationml/2006/main" showMasterSp="0" showMasterPhAnim="0">
   <p:cSld>
     <p:spTree>
@@ -1758,134 +1884,7 @@
     </p:spTree>
     <p:extLst>
       <p:ext uri="{BB962C8B-B14F-4D97-AF65-F5344CB8AC3E}">
-        <p14:creationId xmlns:p14="http://schemas.microsoft.com/office/powerpoint/2010/main" val="1617654713"/>
-      </p:ext>
-    </p:extLst>
-  </p:cSld>
-  <p:clrMapOvr>
-    <a:masterClrMapping/>
-  </p:clrMapOvr>
-</p:notes>
-</file>
-
-<file path=ppt/notesSlides/notesSlide16.xml><?xml version="1.0" encoding="utf-8"?>
-<p:notes xmlns:a="http://schemas.openxmlformats.org/drawingml/2006/main" xmlns:r="http://schemas.openxmlformats.org/officeDocument/2006/relationships" xmlns:p="http://schemas.openxmlformats.org/presentationml/2006/main" showMasterSp="0" showMasterPhAnim="0">
-  <p:cSld>
-    <p:spTree>
-      <p:nvGrpSpPr>
-        <p:cNvPr id="1" name="Shape 53"/>
-        <p:cNvGrpSpPr/>
-        <p:nvPr/>
-      </p:nvGrpSpPr>
-      <p:grpSpPr>
-        <a:xfrm>
-          <a:off x="0" y="0"/>
-          <a:ext cx="0" cy="0"/>
-          <a:chOff x="0" y="0"/>
-          <a:chExt cx="0" cy="0"/>
-        </a:xfrm>
-      </p:grpSpPr>
-      <p:sp>
-        <p:nvSpPr>
-          <p:cNvPr id="54" name="Google Shape;54;p2:notes"/>
-          <p:cNvSpPr>
-            <a:spLocks noGrp="1" noRot="1" noChangeAspect="1"/>
-          </p:cNvSpPr>
-          <p:nvPr>
-            <p:ph type="sldImg" idx="2"/>
-          </p:nvPr>
-        </p:nvSpPr>
-        <p:spPr>
-          <a:xfrm>
-            <a:off x="381000" y="685800"/>
-            <a:ext cx="6096000" cy="3429000"/>
-          </a:xfrm>
-          <a:custGeom>
-            <a:avLst/>
-            <a:gdLst/>
-            <a:ahLst/>
-            <a:cxnLst/>
-            <a:rect l="l" t="t" r="r" b="b"/>
-            <a:pathLst>
-              <a:path w="120000" h="120000" extrusionOk="0">
-                <a:moveTo>
-                  <a:pt x="0" y="0"/>
-                </a:moveTo>
-                <a:lnTo>
-                  <a:pt x="120000" y="0"/>
-                </a:lnTo>
-                <a:lnTo>
-                  <a:pt x="120000" y="120000"/>
-                </a:lnTo>
-                <a:lnTo>
-                  <a:pt x="0" y="120000"/>
-                </a:lnTo>
-                <a:close/>
-              </a:path>
-            </a:pathLst>
-          </a:custGeom>
-          <a:noFill/>
-          <a:ln w="9525" cap="flat" cmpd="sng">
-            <a:solidFill>
-              <a:srgbClr val="000000"/>
-            </a:solidFill>
-            <a:prstDash val="solid"/>
-            <a:round/>
-            <a:headEnd type="none" w="sm" len="sm"/>
-            <a:tailEnd type="none" w="sm" len="sm"/>
-          </a:ln>
-        </p:spPr>
-      </p:sp>
-      <p:sp>
-        <p:nvSpPr>
-          <p:cNvPr id="55" name="Google Shape;55;p2:notes"/>
-          <p:cNvSpPr txBox="1">
-            <a:spLocks noGrp="1"/>
-          </p:cNvSpPr>
-          <p:nvPr>
-            <p:ph type="body" idx="1"/>
-          </p:nvPr>
-        </p:nvSpPr>
-        <p:spPr>
-          <a:xfrm>
-            <a:off x="685800" y="4343400"/>
-            <a:ext cx="5486400" cy="4114800"/>
-          </a:xfrm>
-          <a:prstGeom prst="rect">
-            <a:avLst/>
-          </a:prstGeom>
-          <a:noFill/>
-          <a:ln>
-            <a:noFill/>
-          </a:ln>
-        </p:spPr>
-        <p:txBody>
-          <a:bodyPr spcFirstLastPara="1" wrap="square" lIns="91425" tIns="91425" rIns="91425" bIns="91425" anchor="t" anchorCtr="0">
-            <a:noAutofit/>
-          </a:bodyPr>
-          <a:lstStyle/>
-          <a:p>
-            <a:pPr marL="0" lvl="0" indent="0" algn="l" rtl="0">
-              <a:lnSpc>
-                <a:spcPct val="100000"/>
-              </a:lnSpc>
-              <a:spcBef>
-                <a:spcPts val="0"/>
-              </a:spcBef>
-              <a:spcAft>
-                <a:spcPts val="0"/>
-              </a:spcAft>
-              <a:buSzPts val="1100"/>
-              <a:buNone/>
-            </a:pPr>
-            <a:endParaRPr/>
-          </a:p>
-        </p:txBody>
-      </p:sp>
-    </p:spTree>
-    <p:extLst>
-      <p:ext uri="{BB962C8B-B14F-4D97-AF65-F5344CB8AC3E}">
-        <p14:creationId xmlns:p14="http://schemas.microsoft.com/office/powerpoint/2010/main" val="1503840861"/>
+        <p14:creationId xmlns:p14="http://schemas.microsoft.com/office/powerpoint/2010/main" val="2526428180"/>
       </p:ext>
     </p:extLst>
   </p:cSld>
@@ -2012,7 +2011,7 @@
     </p:spTree>
     <p:extLst>
       <p:ext uri="{BB962C8B-B14F-4D97-AF65-F5344CB8AC3E}">
-        <p14:creationId xmlns:p14="http://schemas.microsoft.com/office/powerpoint/2010/main" val="2526428180"/>
+        <p14:creationId xmlns:p14="http://schemas.microsoft.com/office/powerpoint/2010/main" val="2258293721"/>
       </p:ext>
     </p:extLst>
   </p:cSld>
@@ -2139,7 +2138,7 @@
     </p:spTree>
     <p:extLst>
       <p:ext uri="{BB962C8B-B14F-4D97-AF65-F5344CB8AC3E}">
-        <p14:creationId xmlns:p14="http://schemas.microsoft.com/office/powerpoint/2010/main" val="2258293721"/>
+        <p14:creationId xmlns:p14="http://schemas.microsoft.com/office/powerpoint/2010/main" val="3187218263"/>
       </p:ext>
     </p:extLst>
   </p:cSld>
@@ -2266,7 +2265,7 @@
     </p:spTree>
     <p:extLst>
       <p:ext uri="{BB962C8B-B14F-4D97-AF65-F5344CB8AC3E}">
-        <p14:creationId xmlns:p14="http://schemas.microsoft.com/office/powerpoint/2010/main" val="3187218263"/>
+        <p14:creationId xmlns:p14="http://schemas.microsoft.com/office/powerpoint/2010/main" val="4210083367"/>
       </p:ext>
     </p:extLst>
   </p:cSld>
@@ -2520,7 +2519,7 @@
     </p:spTree>
     <p:extLst>
       <p:ext uri="{BB962C8B-B14F-4D97-AF65-F5344CB8AC3E}">
-        <p14:creationId xmlns:p14="http://schemas.microsoft.com/office/powerpoint/2010/main" val="4210083367"/>
+        <p14:creationId xmlns:p14="http://schemas.microsoft.com/office/powerpoint/2010/main" val="686127590"/>
       </p:ext>
     </p:extLst>
   </p:cSld>
@@ -2647,7 +2646,7 @@
     </p:spTree>
     <p:extLst>
       <p:ext uri="{BB962C8B-B14F-4D97-AF65-F5344CB8AC3E}">
-        <p14:creationId xmlns:p14="http://schemas.microsoft.com/office/powerpoint/2010/main" val="686127590"/>
+        <p14:creationId xmlns:p14="http://schemas.microsoft.com/office/powerpoint/2010/main" val="3379117638"/>
       </p:ext>
     </p:extLst>
   </p:cSld>
@@ -2658,133 +2657,6 @@
 </file>
 
 <file path=ppt/notesSlides/notesSlide22.xml><?xml version="1.0" encoding="utf-8"?>
-<p:notes xmlns:a="http://schemas.openxmlformats.org/drawingml/2006/main" xmlns:r="http://schemas.openxmlformats.org/officeDocument/2006/relationships" xmlns:p="http://schemas.openxmlformats.org/presentationml/2006/main" showMasterSp="0" showMasterPhAnim="0">
-  <p:cSld>
-    <p:spTree>
-      <p:nvGrpSpPr>
-        <p:cNvPr id="1" name="Shape 238"/>
-        <p:cNvGrpSpPr/>
-        <p:nvPr/>
-      </p:nvGrpSpPr>
-      <p:grpSpPr>
-        <a:xfrm>
-          <a:off x="0" y="0"/>
-          <a:ext cx="0" cy="0"/>
-          <a:chOff x="0" y="0"/>
-          <a:chExt cx="0" cy="0"/>
-        </a:xfrm>
-      </p:grpSpPr>
-      <p:sp>
-        <p:nvSpPr>
-          <p:cNvPr id="239" name="Google Shape;239;p27:notes"/>
-          <p:cNvSpPr>
-            <a:spLocks noGrp="1" noRot="1" noChangeAspect="1"/>
-          </p:cNvSpPr>
-          <p:nvPr>
-            <p:ph type="sldImg" idx="2"/>
-          </p:nvPr>
-        </p:nvSpPr>
-        <p:spPr>
-          <a:xfrm>
-            <a:off x="381000" y="685800"/>
-            <a:ext cx="6096000" cy="3429000"/>
-          </a:xfrm>
-          <a:custGeom>
-            <a:avLst/>
-            <a:gdLst/>
-            <a:ahLst/>
-            <a:cxnLst/>
-            <a:rect l="l" t="t" r="r" b="b"/>
-            <a:pathLst>
-              <a:path w="120000" h="120000" extrusionOk="0">
-                <a:moveTo>
-                  <a:pt x="0" y="0"/>
-                </a:moveTo>
-                <a:lnTo>
-                  <a:pt x="120000" y="0"/>
-                </a:lnTo>
-                <a:lnTo>
-                  <a:pt x="120000" y="120000"/>
-                </a:lnTo>
-                <a:lnTo>
-                  <a:pt x="0" y="120000"/>
-                </a:lnTo>
-                <a:close/>
-              </a:path>
-            </a:pathLst>
-          </a:custGeom>
-          <a:noFill/>
-          <a:ln w="9525" cap="flat" cmpd="sng">
-            <a:solidFill>
-              <a:srgbClr val="000000"/>
-            </a:solidFill>
-            <a:prstDash val="solid"/>
-            <a:round/>
-            <a:headEnd type="none" w="sm" len="sm"/>
-            <a:tailEnd type="none" w="sm" len="sm"/>
-          </a:ln>
-        </p:spPr>
-      </p:sp>
-      <p:sp>
-        <p:nvSpPr>
-          <p:cNvPr id="240" name="Google Shape;240;p27:notes"/>
-          <p:cNvSpPr txBox="1">
-            <a:spLocks noGrp="1"/>
-          </p:cNvSpPr>
-          <p:nvPr>
-            <p:ph type="body" idx="1"/>
-          </p:nvPr>
-        </p:nvSpPr>
-        <p:spPr>
-          <a:xfrm>
-            <a:off x="685800" y="4343400"/>
-            <a:ext cx="5486400" cy="4114800"/>
-          </a:xfrm>
-          <a:prstGeom prst="rect">
-            <a:avLst/>
-          </a:prstGeom>
-          <a:noFill/>
-          <a:ln>
-            <a:noFill/>
-          </a:ln>
-        </p:spPr>
-        <p:txBody>
-          <a:bodyPr spcFirstLastPara="1" wrap="square" lIns="91425" tIns="91425" rIns="91425" bIns="91425" anchor="t" anchorCtr="0">
-            <a:noAutofit/>
-          </a:bodyPr>
-          <a:lstStyle/>
-          <a:p>
-            <a:pPr marL="0" lvl="0" indent="0" algn="l" rtl="0">
-              <a:lnSpc>
-                <a:spcPct val="100000"/>
-              </a:lnSpc>
-              <a:spcBef>
-                <a:spcPts val="0"/>
-              </a:spcBef>
-              <a:spcAft>
-                <a:spcPts val="0"/>
-              </a:spcAft>
-              <a:buSzPts val="1100"/>
-              <a:buNone/>
-            </a:pPr>
-            <a:endParaRPr/>
-          </a:p>
-        </p:txBody>
-      </p:sp>
-    </p:spTree>
-    <p:extLst>
-      <p:ext uri="{BB962C8B-B14F-4D97-AF65-F5344CB8AC3E}">
-        <p14:creationId xmlns:p14="http://schemas.microsoft.com/office/powerpoint/2010/main" val="3379117638"/>
-      </p:ext>
-    </p:extLst>
-  </p:cSld>
-  <p:clrMapOvr>
-    <a:masterClrMapping/>
-  </p:clrMapOvr>
-</p:notes>
-</file>
-
-<file path=ppt/notesSlides/notesSlide23.xml><?xml version="1.0" encoding="utf-8"?>
 <p:notes xmlns:a="http://schemas.openxmlformats.org/drawingml/2006/main" xmlns:r="http://schemas.openxmlformats.org/officeDocument/2006/relationships" xmlns:p="http://schemas.openxmlformats.org/presentationml/2006/main" showMasterSp="0" showMasterPhAnim="0">
   <p:cSld>
     <p:spTree>
@@ -11750,6 +11622,18 @@
               </a:rPr>
               <a:t>參考這篇</a:t>
             </a:r>
+            <a:r>
+              <a:rPr lang="zh-TW" altLang="en-US" dirty="0"/>
+              <a:t>，去看看 </a:t>
+            </a:r>
+            <a:r>
+              <a:rPr lang="en-US" altLang="zh-TW" dirty="0"/>
+              <a:t>read/write </a:t>
+            </a:r>
+            <a:r>
+              <a:rPr lang="zh-TW" altLang="en-US" dirty="0"/>
+              <a:t>的寫法</a:t>
+            </a:r>
             <a:endParaRPr lang="en-US" altLang="zh-TW" dirty="0"/>
           </a:p>
           <a:p>
@@ -11827,7 +11711,7 @@
     </p:spTree>
     <p:extLst>
       <p:ext uri="{BB962C8B-B14F-4D97-AF65-F5344CB8AC3E}">
-        <p14:creationId xmlns:p14="http://schemas.microsoft.com/office/powerpoint/2010/main" val="2168391748"/>
+        <p14:creationId xmlns:p14="http://schemas.microsoft.com/office/powerpoint/2010/main" val="2019979601"/>
       </p:ext>
     </p:extLst>
   </p:cSld>
@@ -11903,7 +11787,25 @@
                 <a:cs typeface="Microsoft JhengHei"/>
                 <a:sym typeface="Microsoft JhengHei"/>
               </a:rPr>
-              <a:t>__int128, __float128</a:t>
+              <a:t>begin, end, </a:t>
+            </a:r>
+            <a:r>
+              <a:rPr lang="en-US" dirty="0" err="1">
+                <a:latin typeface="Microsoft JhengHei"/>
+                <a:ea typeface="Microsoft JhengHei"/>
+                <a:cs typeface="Microsoft JhengHei"/>
+                <a:sym typeface="Microsoft JhengHei"/>
+              </a:rPr>
+              <a:t>rbegin</a:t>
+            </a:r>
+            <a:r>
+              <a:rPr lang="en-US" dirty="0">
+                <a:latin typeface="Microsoft JhengHei"/>
+                <a:ea typeface="Microsoft JhengHei"/>
+                <a:cs typeface="Microsoft JhengHei"/>
+                <a:sym typeface="Microsoft JhengHei"/>
+              </a:rPr>
+              <a:t>, rend</a:t>
             </a:r>
             <a:endParaRPr dirty="0">
               <a:latin typeface="Microsoft JhengHei"/>
@@ -11957,37 +11859,22 @@
               <a:buChar char="●"/>
             </a:pPr>
             <a:r>
+              <a:rPr lang="en-US" altLang="zh-TW" dirty="0"/>
+              <a:t>vector, map, … </a:t>
+            </a:r>
+            <a:r>
               <a:rPr lang="zh-TW" altLang="en-US" dirty="0"/>
-              <a:t>顧名思義，擁有 </a:t>
+              <a:t>之類的 </a:t>
             </a:r>
             <a:r>
               <a:rPr lang="en-US" altLang="zh-TW" dirty="0"/>
-              <a:t>128 bits </a:t>
+              <a:t>STL container </a:t>
             </a:r>
             <a:r>
               <a:rPr lang="zh-TW" altLang="en-US" dirty="0"/>
-              <a:t>的 </a:t>
-            </a:r>
-            <a:r>
-              <a:rPr lang="en-US" altLang="zh-TW" dirty="0"/>
-              <a:t>signed</a:t>
-            </a:r>
-            <a:r>
-              <a:rPr lang="zh-TW" altLang="en-US" dirty="0"/>
-              <a:t> </a:t>
-            </a:r>
-            <a:r>
-              <a:rPr lang="en-US" altLang="zh-TW" dirty="0"/>
-              <a:t>int </a:t>
-            </a:r>
-            <a:r>
-              <a:rPr lang="zh-TW" altLang="en-US" dirty="0"/>
-              <a:t>跟 </a:t>
-            </a:r>
-            <a:r>
-              <a:rPr lang="en-US" altLang="zh-TW" dirty="0"/>
-              <a:t>float</a:t>
-            </a:r>
+              <a:t>才會有</a:t>
+            </a:r>
+            <a:endParaRPr lang="en-US" altLang="zh-TW" dirty="0"/>
           </a:p>
           <a:p>
             <a:pPr marL="457200" lvl="0" indent="-342900" algn="l" rtl="0">
@@ -12005,16 +11892,21 @@
             </a:pPr>
             <a:r>
               <a:rPr lang="en-US" altLang="zh-TW" dirty="0"/>
-              <a:t>unsigned __int128 </a:t>
+              <a:t>end() </a:t>
             </a:r>
             <a:r>
               <a:rPr lang="zh-TW" altLang="en-US" dirty="0"/>
-              <a:t>就是 </a:t>
+              <a:t>會是 </a:t>
             </a:r>
             <a:r>
               <a:rPr lang="en-US" altLang="zh-TW" dirty="0"/>
-              <a:t>unsigned 128-bits int</a:t>
-            </a:r>
+              <a:t>container </a:t>
+            </a:r>
+            <a:r>
+              <a:rPr lang="zh-TW" altLang="en-US" dirty="0"/>
+              <a:t>的最後一個元素的下一個位置</a:t>
+            </a:r>
+            <a:endParaRPr lang="en-US" altLang="zh-TW" dirty="0"/>
           </a:p>
           <a:p>
             <a:pPr marL="457200" lvl="0" indent="-342900" algn="l" rtl="0">
@@ -12031,25 +11923,14 @@
               <a:buChar char="●"/>
             </a:pPr>
             <a:r>
-              <a:rPr lang="en-US" dirty="0"/>
-              <a:t>C/C++ standard I/O </a:t>
+              <a:rPr lang="en-US" altLang="zh-TW" dirty="0"/>
+              <a:t>rend() </a:t>
             </a:r>
             <a:r>
               <a:rPr lang="zh-TW" altLang="en-US" dirty="0"/>
-              <a:t>不認識 </a:t>
-            </a:r>
-            <a:r>
-              <a:rPr lang="en-US" altLang="zh-TW" dirty="0"/>
-              <a:t>__int128</a:t>
-            </a:r>
-            <a:r>
-              <a:rPr lang="zh-TW" altLang="en-US" dirty="0"/>
-              <a:t>，所以要重新寫 </a:t>
-            </a:r>
-            <a:r>
-              <a:rPr lang="en-US" altLang="zh-TW" dirty="0"/>
-              <a:t>read/write function</a:t>
-            </a:r>
+              <a:t>會是第一個元素的前面一個位置</a:t>
+            </a:r>
+            <a:endParaRPr lang="en-US" altLang="zh-TW" dirty="0"/>
           </a:p>
           <a:p>
             <a:pPr marL="457200" lvl="0" indent="-342900" algn="l" rtl="0">
@@ -12065,60 +11946,16 @@
               <a:buSzPts val="1800"/>
               <a:buChar char="●"/>
             </a:pPr>
-            <a:r>
-              <a:rPr lang="zh-TW" altLang="en-US" dirty="0"/>
-              <a:t>搭配著數學題一起用</a:t>
-            </a:r>
-            <a:endParaRPr lang="en-US" altLang="zh-TW" dirty="0"/>
-          </a:p>
-          <a:p>
-            <a:pPr marL="457200" lvl="0" indent="-342900" algn="l" rtl="0">
-              <a:lnSpc>
-                <a:spcPct val="115000"/>
-              </a:lnSpc>
-              <a:spcBef>
-                <a:spcPts val="0"/>
-              </a:spcBef>
-              <a:spcAft>
-                <a:spcPts val="0"/>
-              </a:spcAft>
-              <a:buSzPts val="1800"/>
-              <a:buChar char="●"/>
-            </a:pPr>
-            <a:r>
-              <a:rPr lang="zh-TW" altLang="en-US" dirty="0"/>
-              <a:t>有興趣的請 </a:t>
-            </a:r>
-            <a:r>
-              <a:rPr lang="en-US" altLang="zh-TW" dirty="0"/>
-              <a:t>Google </a:t>
-            </a:r>
-            <a:r>
-              <a:rPr lang="zh-TW" altLang="en-US" dirty="0"/>
-              <a:t>或</a:t>
-            </a:r>
             <a:r>
               <a:rPr lang="zh-TW" altLang="en-US" dirty="0">
                 <a:hlinkClick r:id="rId3"/>
               </a:rPr>
-              <a:t>參考這篇</a:t>
-            </a:r>
-            <a:r>
-              <a:rPr lang="zh-TW" altLang="en-US" dirty="0"/>
-              <a:t>，去看看 </a:t>
-            </a:r>
-            <a:r>
-              <a:rPr lang="en-US" altLang="zh-TW" dirty="0"/>
-              <a:t>read/write </a:t>
-            </a:r>
-            <a:r>
-              <a:rPr lang="zh-TW" altLang="en-US" dirty="0"/>
-              <a:t>的寫法</a:t>
+              <a:t>詳細介紹</a:t>
             </a:r>
             <a:endParaRPr lang="en-US" altLang="zh-TW" dirty="0"/>
           </a:p>
           <a:p>
-            <a:pPr marL="114300" lvl="0" indent="0" algn="l" rtl="0">
+            <a:pPr marL="457200" lvl="0" indent="-342900" algn="l" rtl="0">
               <a:lnSpc>
                 <a:spcPct val="115000"/>
               </a:lnSpc>
@@ -12129,7 +11966,23 @@
                 <a:spcPts val="0"/>
               </a:spcAft>
               <a:buSzPts val="1800"/>
-              <a:buNone/>
+              <a:buChar char="●"/>
+            </a:pPr>
+            <a:endParaRPr lang="en-US" altLang="zh-TW" dirty="0"/>
+          </a:p>
+          <a:p>
+            <a:pPr marL="457200" lvl="0" indent="-342900" algn="l" rtl="0">
+              <a:lnSpc>
+                <a:spcPct val="115000"/>
+              </a:lnSpc>
+              <a:spcBef>
+                <a:spcPts val="0"/>
+              </a:spcBef>
+              <a:spcAft>
+                <a:spcPts val="0"/>
+              </a:spcAft>
+              <a:buSzPts val="1800"/>
+              <a:buChar char="●"/>
             </a:pPr>
             <a:endParaRPr lang="en-US" dirty="0"/>
           </a:p>
@@ -12184,340 +12037,6 @@
             <a:fld id="{00000000-1234-1234-1234-123412341234}" type="slidenum">
               <a:rPr lang="en-US" smtClean="0"/>
               <a:t>13</a:t>
-            </a:fld>
-            <a:endParaRPr lang="en-US"/>
-          </a:p>
-        </p:txBody>
-      </p:sp>
-    </p:spTree>
-    <p:extLst>
-      <p:ext uri="{BB962C8B-B14F-4D97-AF65-F5344CB8AC3E}">
-        <p14:creationId xmlns:p14="http://schemas.microsoft.com/office/powerpoint/2010/main" val="2019979601"/>
-      </p:ext>
-    </p:extLst>
-  </p:cSld>
-  <p:clrMapOvr>
-    <a:masterClrMapping/>
-  </p:clrMapOvr>
-</p:sld>
-</file>
-
-<file path=ppt/slides/slide14.xml><?xml version="1.0" encoding="utf-8"?>
-<p:sld xmlns:a="http://schemas.openxmlformats.org/drawingml/2006/main" xmlns:r="http://schemas.openxmlformats.org/officeDocument/2006/relationships" xmlns:p="http://schemas.openxmlformats.org/presentationml/2006/main">
-  <p:cSld>
-    <p:spTree>
-      <p:nvGrpSpPr>
-        <p:cNvPr id="1" name="Shape 241"/>
-        <p:cNvGrpSpPr/>
-        <p:nvPr/>
-      </p:nvGrpSpPr>
-      <p:grpSpPr>
-        <a:xfrm>
-          <a:off x="0" y="0"/>
-          <a:ext cx="0" cy="0"/>
-          <a:chOff x="0" y="0"/>
-          <a:chExt cx="0" cy="0"/>
-        </a:xfrm>
-      </p:grpSpPr>
-      <p:sp>
-        <p:nvSpPr>
-          <p:cNvPr id="242" name="Google Shape;242;p37"/>
-          <p:cNvSpPr txBox="1">
-            <a:spLocks noGrp="1"/>
-          </p:cNvSpPr>
-          <p:nvPr>
-            <p:ph type="title"/>
-          </p:nvPr>
-        </p:nvSpPr>
-        <p:spPr>
-          <a:xfrm>
-            <a:off x="311700" y="445025"/>
-            <a:ext cx="8520600" cy="572700"/>
-          </a:xfrm>
-          <a:prstGeom prst="rect">
-            <a:avLst/>
-          </a:prstGeom>
-          <a:noFill/>
-          <a:ln>
-            <a:noFill/>
-          </a:ln>
-        </p:spPr>
-        <p:txBody>
-          <a:bodyPr spcFirstLastPara="1" wrap="square" lIns="91425" tIns="91425" rIns="91425" bIns="91425" anchor="t" anchorCtr="0">
-            <a:noAutofit/>
-          </a:bodyPr>
-          <a:lstStyle/>
-          <a:p>
-            <a:pPr marL="0" lvl="0" indent="0" algn="l" rtl="0">
-              <a:lnSpc>
-                <a:spcPct val="100000"/>
-              </a:lnSpc>
-              <a:spcBef>
-                <a:spcPts val="0"/>
-              </a:spcBef>
-              <a:spcAft>
-                <a:spcPts val="0"/>
-              </a:spcAft>
-              <a:buSzPts val="2800"/>
-              <a:buNone/>
-            </a:pPr>
-            <a:r>
-              <a:rPr lang="en-US" dirty="0">
-                <a:latin typeface="Microsoft JhengHei"/>
-                <a:ea typeface="Microsoft JhengHei"/>
-                <a:cs typeface="Microsoft JhengHei"/>
-                <a:sym typeface="Microsoft JhengHei"/>
-              </a:rPr>
-              <a:t>begin, end, </a:t>
-            </a:r>
-            <a:r>
-              <a:rPr lang="en-US" dirty="0" err="1">
-                <a:latin typeface="Microsoft JhengHei"/>
-                <a:ea typeface="Microsoft JhengHei"/>
-                <a:cs typeface="Microsoft JhengHei"/>
-                <a:sym typeface="Microsoft JhengHei"/>
-              </a:rPr>
-              <a:t>rbegin</a:t>
-            </a:r>
-            <a:r>
-              <a:rPr lang="en-US" dirty="0">
-                <a:latin typeface="Microsoft JhengHei"/>
-                <a:ea typeface="Microsoft JhengHei"/>
-                <a:cs typeface="Microsoft JhengHei"/>
-                <a:sym typeface="Microsoft JhengHei"/>
-              </a:rPr>
-              <a:t>, rend</a:t>
-            </a:r>
-            <a:endParaRPr dirty="0">
-              <a:latin typeface="Microsoft JhengHei"/>
-              <a:ea typeface="Microsoft JhengHei"/>
-              <a:cs typeface="Microsoft JhengHei"/>
-              <a:sym typeface="Microsoft JhengHei"/>
-            </a:endParaRPr>
-          </a:p>
-        </p:txBody>
-      </p:sp>
-      <p:sp>
-        <p:nvSpPr>
-          <p:cNvPr id="243" name="Google Shape;243;p37"/>
-          <p:cNvSpPr txBox="1">
-            <a:spLocks noGrp="1"/>
-          </p:cNvSpPr>
-          <p:nvPr>
-            <p:ph type="body" idx="1"/>
-          </p:nvPr>
-        </p:nvSpPr>
-        <p:spPr>
-          <a:xfrm>
-            <a:off x="311699" y="1152475"/>
-            <a:ext cx="8758342" cy="3416400"/>
-          </a:xfrm>
-          <a:prstGeom prst="rect">
-            <a:avLst/>
-          </a:prstGeom>
-          <a:noFill/>
-          <a:ln>
-            <a:noFill/>
-          </a:ln>
-        </p:spPr>
-        <p:txBody>
-          <a:bodyPr spcFirstLastPara="1" wrap="square" lIns="91425" tIns="91425" rIns="91425" bIns="91425" anchor="t" anchorCtr="0">
-            <a:noAutofit/>
-          </a:bodyPr>
-          <a:lstStyle/>
-          <a:p>
-            <a:pPr marL="457200" lvl="0" indent="-342900" algn="l" rtl="0">
-              <a:lnSpc>
-                <a:spcPct val="115000"/>
-              </a:lnSpc>
-              <a:spcBef>
-                <a:spcPts val="0"/>
-              </a:spcBef>
-              <a:spcAft>
-                <a:spcPts val="0"/>
-              </a:spcAft>
-              <a:buSzPts val="1800"/>
-              <a:buChar char="●"/>
-            </a:pPr>
-            <a:r>
-              <a:rPr lang="en-US" altLang="zh-TW" dirty="0"/>
-              <a:t>vector, map, … </a:t>
-            </a:r>
-            <a:r>
-              <a:rPr lang="zh-TW" altLang="en-US" dirty="0"/>
-              <a:t>之類的 </a:t>
-            </a:r>
-            <a:r>
-              <a:rPr lang="en-US" altLang="zh-TW" dirty="0"/>
-              <a:t>STL container </a:t>
-            </a:r>
-            <a:r>
-              <a:rPr lang="zh-TW" altLang="en-US" dirty="0"/>
-              <a:t>才會有</a:t>
-            </a:r>
-            <a:endParaRPr lang="en-US" altLang="zh-TW" dirty="0"/>
-          </a:p>
-          <a:p>
-            <a:pPr marL="457200" lvl="0" indent="-342900" algn="l" rtl="0">
-              <a:lnSpc>
-                <a:spcPct val="115000"/>
-              </a:lnSpc>
-              <a:spcBef>
-                <a:spcPts val="0"/>
-              </a:spcBef>
-              <a:spcAft>
-                <a:spcPts val="0"/>
-              </a:spcAft>
-              <a:buSzPts val="1800"/>
-              <a:buChar char="●"/>
-            </a:pPr>
-            <a:r>
-              <a:rPr lang="en-US" altLang="zh-TW" dirty="0"/>
-              <a:t>end() </a:t>
-            </a:r>
-            <a:r>
-              <a:rPr lang="zh-TW" altLang="en-US" dirty="0"/>
-              <a:t>會是 </a:t>
-            </a:r>
-            <a:r>
-              <a:rPr lang="en-US" altLang="zh-TW" dirty="0"/>
-              <a:t>container </a:t>
-            </a:r>
-            <a:r>
-              <a:rPr lang="zh-TW" altLang="en-US" dirty="0"/>
-              <a:t>的最後一個元素的下一個位置</a:t>
-            </a:r>
-            <a:endParaRPr lang="en-US" altLang="zh-TW" dirty="0"/>
-          </a:p>
-          <a:p>
-            <a:pPr marL="457200" lvl="0" indent="-342900" algn="l" rtl="0">
-              <a:lnSpc>
-                <a:spcPct val="115000"/>
-              </a:lnSpc>
-              <a:spcBef>
-                <a:spcPts val="0"/>
-              </a:spcBef>
-              <a:spcAft>
-                <a:spcPts val="0"/>
-              </a:spcAft>
-              <a:buSzPts val="1800"/>
-              <a:buChar char="●"/>
-            </a:pPr>
-            <a:r>
-              <a:rPr lang="en-US" altLang="zh-TW" dirty="0"/>
-              <a:t>rend() </a:t>
-            </a:r>
-            <a:r>
-              <a:rPr lang="zh-TW" altLang="en-US" dirty="0"/>
-              <a:t>會是第一個元素的前面一個位置</a:t>
-            </a:r>
-            <a:endParaRPr lang="en-US" altLang="zh-TW" dirty="0"/>
-          </a:p>
-          <a:p>
-            <a:pPr marL="457200" lvl="0" indent="-342900" algn="l" rtl="0">
-              <a:lnSpc>
-                <a:spcPct val="115000"/>
-              </a:lnSpc>
-              <a:spcBef>
-                <a:spcPts val="0"/>
-              </a:spcBef>
-              <a:spcAft>
-                <a:spcPts val="0"/>
-              </a:spcAft>
-              <a:buSzPts val="1800"/>
-              <a:buChar char="●"/>
-            </a:pPr>
-            <a:r>
-              <a:rPr lang="zh-TW" altLang="en-US" dirty="0">
-                <a:hlinkClick r:id="rId3"/>
-              </a:rPr>
-              <a:t>詳細介紹</a:t>
-            </a:r>
-            <a:endParaRPr lang="en-US" altLang="zh-TW" dirty="0"/>
-          </a:p>
-          <a:p>
-            <a:pPr marL="457200" lvl="0" indent="-342900" algn="l" rtl="0">
-              <a:lnSpc>
-                <a:spcPct val="115000"/>
-              </a:lnSpc>
-              <a:spcBef>
-                <a:spcPts val="0"/>
-              </a:spcBef>
-              <a:spcAft>
-                <a:spcPts val="0"/>
-              </a:spcAft>
-              <a:buSzPts val="1800"/>
-              <a:buChar char="●"/>
-            </a:pPr>
-            <a:endParaRPr lang="en-US" altLang="zh-TW" dirty="0"/>
-          </a:p>
-          <a:p>
-            <a:pPr marL="457200" lvl="0" indent="-342900" algn="l" rtl="0">
-              <a:lnSpc>
-                <a:spcPct val="115000"/>
-              </a:lnSpc>
-              <a:spcBef>
-                <a:spcPts val="0"/>
-              </a:spcBef>
-              <a:spcAft>
-                <a:spcPts val="0"/>
-              </a:spcAft>
-              <a:buSzPts val="1800"/>
-              <a:buChar char="●"/>
-            </a:pPr>
-            <a:endParaRPr lang="en-US" dirty="0"/>
-          </a:p>
-          <a:p>
-            <a:pPr marL="457200" lvl="0" indent="-342900" algn="l" rtl="0">
-              <a:lnSpc>
-                <a:spcPct val="115000"/>
-              </a:lnSpc>
-              <a:spcBef>
-                <a:spcPts val="0"/>
-              </a:spcBef>
-              <a:spcAft>
-                <a:spcPts val="0"/>
-              </a:spcAft>
-              <a:buSzPts val="1800"/>
-              <a:buChar char="●"/>
-            </a:pPr>
-            <a:endParaRPr dirty="0"/>
-          </a:p>
-        </p:txBody>
-      </p:sp>
-      <p:sp>
-        <p:nvSpPr>
-          <p:cNvPr id="2" name="投影片編號版面配置區 1">
-            <a:extLst>
-              <a:ext uri="{FF2B5EF4-FFF2-40B4-BE49-F238E27FC236}">
-                <a16:creationId xmlns:a16="http://schemas.microsoft.com/office/drawing/2014/main" id="{E5F2B600-0B8E-4FD9-BC4F-8E04A1563A49}"/>
-              </a:ext>
-            </a:extLst>
-          </p:cNvPr>
-          <p:cNvSpPr>
-            <a:spLocks noGrp="1"/>
-          </p:cNvSpPr>
-          <p:nvPr>
-            <p:ph type="sldNum" idx="12"/>
-          </p:nvPr>
-        </p:nvSpPr>
-        <p:spPr/>
-        <p:txBody>
-          <a:bodyPr/>
-          <a:lstStyle/>
-          <a:p>
-            <a:pPr marL="0" lvl="0" indent="0" algn="r" rtl="0">
-              <a:spcBef>
-                <a:spcPts val="0"/>
-              </a:spcBef>
-              <a:spcAft>
-                <a:spcPts val="0"/>
-              </a:spcAft>
-              <a:buNone/>
-            </a:pPr>
-            <a:fld id="{00000000-1234-1234-1234-123412341234}" type="slidenum">
-              <a:rPr lang="en-US" smtClean="0"/>
-              <a:t>14</a:t>
             </a:fld>
             <a:endParaRPr lang="en-US"/>
           </a:p>
@@ -12613,7 +12132,7 @@
 </p:sld>
 </file>
 
-<file path=ppt/slides/slide15.xml><?xml version="1.0" encoding="utf-8"?>
+<file path=ppt/slides/slide14.xml><?xml version="1.0" encoding="utf-8"?>
 <p:sld xmlns:a="http://schemas.openxmlformats.org/drawingml/2006/main" xmlns:r="http://schemas.openxmlformats.org/officeDocument/2006/relationships" xmlns:p="http://schemas.openxmlformats.org/presentationml/2006/main">
   <p:cSld>
     <p:spTree>
@@ -12924,7 +12443,7 @@
             </a:pPr>
             <a:fld id="{00000000-1234-1234-1234-123412341234}" type="slidenum">
               <a:rPr lang="en-US" smtClean="0"/>
-              <a:t>15</a:t>
+              <a:t>14</a:t>
             </a:fld>
             <a:endParaRPr lang="en-US"/>
           </a:p>
@@ -12943,7 +12462,7 @@
 </p:sld>
 </file>
 
-<file path=ppt/slides/slide16.xml><?xml version="1.0" encoding="utf-8"?>
+<file path=ppt/slides/slide15.xml><?xml version="1.0" encoding="utf-8"?>
 <p:sld xmlns:a="http://schemas.openxmlformats.org/drawingml/2006/main" xmlns:r="http://schemas.openxmlformats.org/officeDocument/2006/relationships" xmlns:p="http://schemas.openxmlformats.org/presentationml/2006/main">
   <p:cSld>
     <p:spTree>
@@ -13078,6 +12597,418 @@
     <p:extLst>
       <p:ext uri="{BB962C8B-B14F-4D97-AF65-F5344CB8AC3E}">
         <p14:creationId xmlns:p14="http://schemas.microsoft.com/office/powerpoint/2010/main" val="323795937"/>
+      </p:ext>
+    </p:extLst>
+  </p:cSld>
+  <p:clrMapOvr>
+    <a:masterClrMapping/>
+  </p:clrMapOvr>
+</p:sld>
+</file>
+
+<file path=ppt/slides/slide16.xml><?xml version="1.0" encoding="utf-8"?>
+<p:sld xmlns:a="http://schemas.openxmlformats.org/drawingml/2006/main" xmlns:r="http://schemas.openxmlformats.org/officeDocument/2006/relationships" xmlns:p="http://schemas.openxmlformats.org/presentationml/2006/main">
+  <p:cSld>
+    <p:spTree>
+      <p:nvGrpSpPr>
+        <p:cNvPr id="1" name="Shape 241"/>
+        <p:cNvGrpSpPr/>
+        <p:nvPr/>
+      </p:nvGrpSpPr>
+      <p:grpSpPr>
+        <a:xfrm>
+          <a:off x="0" y="0"/>
+          <a:ext cx="0" cy="0"/>
+          <a:chOff x="0" y="0"/>
+          <a:chExt cx="0" cy="0"/>
+        </a:xfrm>
+      </p:grpSpPr>
+      <p:sp>
+        <p:nvSpPr>
+          <p:cNvPr id="242" name="Google Shape;242;p37"/>
+          <p:cNvSpPr txBox="1">
+            <a:spLocks noGrp="1"/>
+          </p:cNvSpPr>
+          <p:nvPr>
+            <p:ph type="title"/>
+          </p:nvPr>
+        </p:nvSpPr>
+        <p:spPr>
+          <a:xfrm>
+            <a:off x="311700" y="445025"/>
+            <a:ext cx="8520600" cy="572700"/>
+          </a:xfrm>
+          <a:prstGeom prst="rect">
+            <a:avLst/>
+          </a:prstGeom>
+          <a:noFill/>
+          <a:ln>
+            <a:noFill/>
+          </a:ln>
+        </p:spPr>
+        <p:txBody>
+          <a:bodyPr spcFirstLastPara="1" wrap="square" lIns="91425" tIns="91425" rIns="91425" bIns="91425" anchor="t" anchorCtr="0">
+            <a:noAutofit/>
+          </a:bodyPr>
+          <a:lstStyle/>
+          <a:p>
+            <a:pPr marL="0" lvl="0" indent="0" algn="l" rtl="0">
+              <a:lnSpc>
+                <a:spcPct val="100000"/>
+              </a:lnSpc>
+              <a:spcBef>
+                <a:spcPts val="0"/>
+              </a:spcBef>
+              <a:spcAft>
+                <a:spcPts val="0"/>
+              </a:spcAft>
+              <a:buSzPts val="2800"/>
+              <a:buNone/>
+            </a:pPr>
+            <a:r>
+              <a:rPr lang="zh-TW" altLang="en-US" dirty="0"/>
+              <a:t>比賽簡介</a:t>
+            </a:r>
+            <a:endParaRPr dirty="0">
+              <a:latin typeface="Microsoft JhengHei"/>
+              <a:ea typeface="Microsoft JhengHei"/>
+              <a:cs typeface="Microsoft JhengHei"/>
+              <a:sym typeface="Microsoft JhengHei"/>
+            </a:endParaRPr>
+          </a:p>
+        </p:txBody>
+      </p:sp>
+      <p:sp>
+        <p:nvSpPr>
+          <p:cNvPr id="243" name="Google Shape;243;p37"/>
+          <p:cNvSpPr txBox="1">
+            <a:spLocks noGrp="1"/>
+          </p:cNvSpPr>
+          <p:nvPr>
+            <p:ph type="body" idx="1"/>
+          </p:nvPr>
+        </p:nvSpPr>
+        <p:spPr>
+          <a:xfrm>
+            <a:off x="311699" y="1152475"/>
+            <a:ext cx="8758342" cy="3416400"/>
+          </a:xfrm>
+          <a:prstGeom prst="rect">
+            <a:avLst/>
+          </a:prstGeom>
+          <a:noFill/>
+          <a:ln>
+            <a:noFill/>
+          </a:ln>
+        </p:spPr>
+        <p:txBody>
+          <a:bodyPr spcFirstLastPara="1" wrap="square" lIns="91425" tIns="91425" rIns="91425" bIns="91425" anchor="t" anchorCtr="0">
+            <a:noAutofit/>
+          </a:bodyPr>
+          <a:lstStyle/>
+          <a:p>
+            <a:r>
+              <a:rPr lang="en-US" altLang="zh-TW" dirty="0">
+                <a:latin typeface="微軟正黑體" panose="020B0604030504040204" pitchFamily="34" charset="-120"/>
+                <a:ea typeface="微軟正黑體" panose="020B0604030504040204" pitchFamily="34" charset="-120"/>
+              </a:rPr>
+              <a:t>NCPC </a:t>
+            </a:r>
+            <a:r>
+              <a:rPr lang="zh-TW" altLang="en-US" dirty="0">
+                <a:latin typeface="微軟正黑體" panose="020B0604030504040204" pitchFamily="34" charset="-120"/>
+                <a:ea typeface="微軟正黑體" panose="020B0604030504040204" pitchFamily="34" charset="-120"/>
+              </a:rPr>
+              <a:t>初賽</a:t>
+            </a:r>
+            <a:endParaRPr lang="en-US" altLang="zh-TW" dirty="0">
+              <a:latin typeface="微軟正黑體" panose="020B0604030504040204" pitchFamily="34" charset="-120"/>
+              <a:ea typeface="微軟正黑體" panose="020B0604030504040204" pitchFamily="34" charset="-120"/>
+            </a:endParaRPr>
+          </a:p>
+          <a:p>
+            <a:pPr lvl="1" indent="-342900">
+              <a:spcBef>
+                <a:spcPts val="0"/>
+              </a:spcBef>
+              <a:buSzPts val="1800"/>
+              <a:buFont typeface="Proxima Nova"/>
+              <a:buChar char="●"/>
+            </a:pPr>
+            <a:r>
+              <a:rPr lang="en-US" altLang="zh-TW" sz="1600" dirty="0">
+                <a:latin typeface="微軟正黑體" panose="020B0604030504040204" pitchFamily="34" charset="-120"/>
+                <a:ea typeface="微軟正黑體" panose="020B0604030504040204" pitchFamily="34" charset="-120"/>
+              </a:rPr>
+              <a:t>3 hours</a:t>
+            </a:r>
+            <a:r>
+              <a:rPr lang="zh-TW" altLang="en-US" sz="1600" dirty="0">
+                <a:latin typeface="微軟正黑體" panose="020B0604030504040204" pitchFamily="34" charset="-120"/>
+                <a:ea typeface="微軟正黑體" panose="020B0604030504040204" pitchFamily="34" charset="-120"/>
+              </a:rPr>
+              <a:t>，經驗來看六題左右</a:t>
+            </a:r>
+            <a:endParaRPr lang="en-US" altLang="zh-TW" sz="1600" dirty="0">
+              <a:latin typeface="微軟正黑體" panose="020B0604030504040204" pitchFamily="34" charset="-120"/>
+              <a:ea typeface="微軟正黑體" panose="020B0604030504040204" pitchFamily="34" charset="-120"/>
+            </a:endParaRPr>
+          </a:p>
+          <a:p>
+            <a:pPr lvl="1" indent="-342900">
+              <a:spcBef>
+                <a:spcPts val="0"/>
+              </a:spcBef>
+              <a:buSzPts val="1800"/>
+              <a:buFont typeface="Proxima Nova"/>
+              <a:buChar char="●"/>
+            </a:pPr>
+            <a:r>
+              <a:rPr lang="zh-TW" altLang="en-US" sz="1600" dirty="0">
+                <a:latin typeface="微軟正黑體" panose="020B0604030504040204" pitchFamily="34" charset="-120"/>
+                <a:ea typeface="微軟正黑體" panose="020B0604030504040204" pitchFamily="34" charset="-120"/>
+              </a:rPr>
+              <a:t>會找各校的人幫忙，辦在各校裡面，除台清交比賽自己辦之外，剩下學校同一時間用這些題目取前 </a:t>
+            </a:r>
+            <a:r>
+              <a:rPr lang="en-US" altLang="zh-TW" sz="1600" dirty="0">
+                <a:latin typeface="微軟正黑體" panose="020B0604030504040204" pitchFamily="34" charset="-120"/>
+                <a:ea typeface="微軟正黑體" panose="020B0604030504040204" pitchFamily="34" charset="-120"/>
+              </a:rPr>
+              <a:t>6 </a:t>
+            </a:r>
+            <a:r>
+              <a:rPr lang="zh-TW" altLang="en-US" sz="1600" dirty="0">
+                <a:latin typeface="微軟正黑體" panose="020B0604030504040204" pitchFamily="34" charset="-120"/>
+                <a:ea typeface="微軟正黑體" panose="020B0604030504040204" pitchFamily="34" charset="-120"/>
+              </a:rPr>
+              <a:t>隊進 </a:t>
+            </a:r>
+            <a:r>
+              <a:rPr lang="en-US" altLang="zh-TW" sz="1600" dirty="0">
+                <a:latin typeface="微軟正黑體" panose="020B0604030504040204" pitchFamily="34" charset="-120"/>
+                <a:ea typeface="微軟正黑體" panose="020B0604030504040204" pitchFamily="34" charset="-120"/>
+              </a:rPr>
+              <a:t>NCPC </a:t>
+            </a:r>
+            <a:r>
+              <a:rPr lang="zh-TW" altLang="en-US" sz="1600" dirty="0">
+                <a:latin typeface="微軟正黑體" panose="020B0604030504040204" pitchFamily="34" charset="-120"/>
+                <a:ea typeface="微軟正黑體" panose="020B0604030504040204" pitchFamily="34" charset="-120"/>
+              </a:rPr>
+              <a:t>決賽</a:t>
+            </a:r>
+            <a:endParaRPr lang="en-US" altLang="zh-TW" sz="1600" dirty="0">
+              <a:latin typeface="微軟正黑體" panose="020B0604030504040204" pitchFamily="34" charset="-120"/>
+              <a:ea typeface="微軟正黑體" panose="020B0604030504040204" pitchFamily="34" charset="-120"/>
+            </a:endParaRPr>
+          </a:p>
+          <a:p>
+            <a:pPr lvl="1" indent="-342900">
+              <a:spcBef>
+                <a:spcPts val="0"/>
+              </a:spcBef>
+              <a:buSzPts val="1800"/>
+              <a:buFont typeface="Proxima Nova"/>
+              <a:buChar char="●"/>
+            </a:pPr>
+            <a:endParaRPr lang="en-US" altLang="zh-TW" sz="1600" dirty="0">
+              <a:latin typeface="微軟正黑體" panose="020B0604030504040204" pitchFamily="34" charset="-120"/>
+              <a:ea typeface="微軟正黑體" panose="020B0604030504040204" pitchFamily="34" charset="-120"/>
+            </a:endParaRPr>
+          </a:p>
+          <a:p>
+            <a:r>
+              <a:rPr lang="en-US" altLang="zh-TW" dirty="0">
+                <a:latin typeface="微軟正黑體" panose="020B0604030504040204" pitchFamily="34" charset="-120"/>
+                <a:ea typeface="微軟正黑體" panose="020B0604030504040204" pitchFamily="34" charset="-120"/>
+              </a:rPr>
+              <a:t>NCPC </a:t>
+            </a:r>
+            <a:r>
+              <a:rPr lang="zh-TW" altLang="en-US" dirty="0">
+                <a:latin typeface="微軟正黑體" panose="020B0604030504040204" pitchFamily="34" charset="-120"/>
+                <a:ea typeface="微軟正黑體" panose="020B0604030504040204" pitchFamily="34" charset="-120"/>
+              </a:rPr>
+              <a:t>決賽</a:t>
+            </a:r>
+            <a:endParaRPr lang="en-US" altLang="zh-TW" dirty="0">
+              <a:latin typeface="微軟正黑體" panose="020B0604030504040204" pitchFamily="34" charset="-120"/>
+              <a:ea typeface="微軟正黑體" panose="020B0604030504040204" pitchFamily="34" charset="-120"/>
+            </a:endParaRPr>
+          </a:p>
+          <a:p>
+            <a:pPr lvl="1" indent="-342900">
+              <a:spcBef>
+                <a:spcPts val="0"/>
+              </a:spcBef>
+              <a:buSzPts val="1800"/>
+              <a:buFont typeface="Proxima Nova"/>
+              <a:buChar char="●"/>
+            </a:pPr>
+            <a:r>
+              <a:rPr lang="en-US" altLang="zh-TW" sz="1600" dirty="0">
+                <a:latin typeface="微軟正黑體" panose="020B0604030504040204" pitchFamily="34" charset="-120"/>
+                <a:ea typeface="微軟正黑體" panose="020B0604030504040204" pitchFamily="34" charset="-120"/>
+              </a:rPr>
+              <a:t>5 hours</a:t>
+            </a:r>
+            <a:r>
+              <a:rPr lang="zh-TW" altLang="en-US" sz="1600" dirty="0">
+                <a:latin typeface="微軟正黑體" panose="020B0604030504040204" pitchFamily="34" charset="-120"/>
+                <a:ea typeface="微軟正黑體" panose="020B0604030504040204" pitchFamily="34" charset="-120"/>
+              </a:rPr>
+              <a:t>，</a:t>
+            </a:r>
+            <a:r>
+              <a:rPr lang="en-US" altLang="zh-TW" sz="1600" dirty="0">
+                <a:latin typeface="微軟正黑體" panose="020B0604030504040204" pitchFamily="34" charset="-120"/>
+                <a:ea typeface="微軟正黑體" panose="020B0604030504040204" pitchFamily="34" charset="-120"/>
+              </a:rPr>
+              <a:t>10 ~ 15 </a:t>
+            </a:r>
+            <a:r>
+              <a:rPr lang="zh-TW" altLang="en-US" sz="1600" dirty="0">
+                <a:latin typeface="微軟正黑體" panose="020B0604030504040204" pitchFamily="34" charset="-120"/>
+                <a:ea typeface="微軟正黑體" panose="020B0604030504040204" pitchFamily="34" charset="-120"/>
+              </a:rPr>
+              <a:t>題</a:t>
+            </a:r>
+            <a:endParaRPr lang="en-US" altLang="zh-TW" sz="1600" dirty="0">
+              <a:latin typeface="微軟正黑體" panose="020B0604030504040204" pitchFamily="34" charset="-120"/>
+              <a:ea typeface="微軟正黑體" panose="020B0604030504040204" pitchFamily="34" charset="-120"/>
+            </a:endParaRPr>
+          </a:p>
+          <a:p>
+            <a:pPr lvl="1" indent="-342900">
+              <a:spcBef>
+                <a:spcPts val="0"/>
+              </a:spcBef>
+              <a:buSzPts val="1800"/>
+              <a:buFont typeface="Proxima Nova"/>
+              <a:buChar char="●"/>
+            </a:pPr>
+            <a:r>
+              <a:rPr lang="zh-TW" altLang="en-US" sz="1600" dirty="0">
+                <a:latin typeface="微軟正黑體" panose="020B0604030504040204" pitchFamily="34" charset="-120"/>
+                <a:ea typeface="微軟正黑體" panose="020B0604030504040204" pitchFamily="34" charset="-120"/>
+              </a:rPr>
+              <a:t>北部學校在師大圖書館校區的教育學院大樓，南部學校在中山大學的圖書資訊大樓 </a:t>
+            </a:r>
+            <a:r>
+              <a:rPr lang="en-US" altLang="zh-TW" sz="1600" dirty="0">
+                <a:latin typeface="微軟正黑體" panose="020B0604030504040204" pitchFamily="34" charset="-120"/>
+                <a:ea typeface="微軟正黑體" panose="020B0604030504040204" pitchFamily="34" charset="-120"/>
+              </a:rPr>
+              <a:t>B1</a:t>
+            </a:r>
+          </a:p>
+          <a:p>
+            <a:pPr lvl="1" indent="-342900">
+              <a:spcBef>
+                <a:spcPts val="0"/>
+              </a:spcBef>
+              <a:buSzPts val="1800"/>
+              <a:buFont typeface="Proxima Nova"/>
+              <a:buChar char="●"/>
+            </a:pPr>
+            <a:endParaRPr lang="en-US" altLang="zh-TW" sz="1600" dirty="0">
+              <a:latin typeface="微軟正黑體" panose="020B0604030504040204" pitchFamily="34" charset="-120"/>
+              <a:ea typeface="微軟正黑體" panose="020B0604030504040204" pitchFamily="34" charset="-120"/>
+            </a:endParaRPr>
+          </a:p>
+          <a:p>
+            <a:pPr marL="114300" lvl="0" indent="0" algn="l" rtl="0">
+              <a:lnSpc>
+                <a:spcPct val="115000"/>
+              </a:lnSpc>
+              <a:spcBef>
+                <a:spcPts val="0"/>
+              </a:spcBef>
+              <a:spcAft>
+                <a:spcPts val="0"/>
+              </a:spcAft>
+              <a:buSzPts val="1800"/>
+              <a:buNone/>
+            </a:pPr>
+            <a:endParaRPr lang="en-US" altLang="zh-TW" dirty="0"/>
+          </a:p>
+          <a:p>
+            <a:pPr marL="457200" lvl="0" indent="-342900" algn="l" rtl="0">
+              <a:lnSpc>
+                <a:spcPct val="115000"/>
+              </a:lnSpc>
+              <a:spcBef>
+                <a:spcPts val="0"/>
+              </a:spcBef>
+              <a:spcAft>
+                <a:spcPts val="0"/>
+              </a:spcAft>
+              <a:buSzPts val="1800"/>
+              <a:buChar char="●"/>
+            </a:pPr>
+            <a:endParaRPr lang="en-US" dirty="0"/>
+          </a:p>
+          <a:p>
+            <a:pPr marL="457200" lvl="0" indent="-342900" algn="l" rtl="0">
+              <a:lnSpc>
+                <a:spcPct val="115000"/>
+              </a:lnSpc>
+              <a:spcBef>
+                <a:spcPts val="0"/>
+              </a:spcBef>
+              <a:spcAft>
+                <a:spcPts val="0"/>
+              </a:spcAft>
+              <a:buSzPts val="1800"/>
+              <a:buChar char="●"/>
+            </a:pPr>
+            <a:endParaRPr dirty="0"/>
+          </a:p>
+        </p:txBody>
+      </p:sp>
+      <p:sp>
+        <p:nvSpPr>
+          <p:cNvPr id="2" name="投影片編號版面配置區 1">
+            <a:extLst>
+              <a:ext uri="{FF2B5EF4-FFF2-40B4-BE49-F238E27FC236}">
+                <a16:creationId xmlns:a16="http://schemas.microsoft.com/office/drawing/2014/main" id="{E5F2B600-0B8E-4FD9-BC4F-8E04A1563A49}"/>
+              </a:ext>
+            </a:extLst>
+          </p:cNvPr>
+          <p:cNvSpPr>
+            <a:spLocks noGrp="1"/>
+          </p:cNvSpPr>
+          <p:nvPr>
+            <p:ph type="sldNum" idx="12"/>
+          </p:nvPr>
+        </p:nvSpPr>
+        <p:spPr/>
+        <p:txBody>
+          <a:bodyPr/>
+          <a:lstStyle/>
+          <a:p>
+            <a:pPr marL="0" lvl="0" indent="0" algn="r" rtl="0">
+              <a:spcBef>
+                <a:spcPts val="0"/>
+              </a:spcBef>
+              <a:spcAft>
+                <a:spcPts val="0"/>
+              </a:spcAft>
+              <a:buNone/>
+            </a:pPr>
+            <a:fld id="{00000000-1234-1234-1234-123412341234}" type="slidenum">
+              <a:rPr lang="en-US" smtClean="0"/>
+              <a:t>16</a:t>
+            </a:fld>
+            <a:endParaRPr lang="en-US"/>
+          </a:p>
+        </p:txBody>
+      </p:sp>
+    </p:spTree>
+    <p:extLst>
+      <p:ext uri="{BB962C8B-B14F-4D97-AF65-F5344CB8AC3E}">
+        <p14:creationId xmlns:p14="http://schemas.microsoft.com/office/powerpoint/2010/main" val="3116856361"/>
       </p:ext>
     </p:extLst>
   </p:cSld>
@@ -13188,24 +13119,23 @@
           </a:bodyPr>
           <a:lstStyle/>
           <a:p>
-            <a:r>
-              <a:rPr lang="en-US" altLang="zh-TW" dirty="0">
-                <a:latin typeface="微軟正黑體" panose="020B0604030504040204" pitchFamily="34" charset="-120"/>
-                <a:ea typeface="微軟正黑體" panose="020B0604030504040204" pitchFamily="34" charset="-120"/>
-              </a:rPr>
-              <a:t>NCPC </a:t>
-            </a:r>
-            <a:r>
-              <a:rPr lang="zh-TW" altLang="en-US" dirty="0">
-                <a:latin typeface="微軟正黑體" panose="020B0604030504040204" pitchFamily="34" charset="-120"/>
-                <a:ea typeface="微軟正黑體" panose="020B0604030504040204" pitchFamily="34" charset="-120"/>
-              </a:rPr>
-              <a:t>初賽</a:t>
-            </a:r>
-            <a:endParaRPr lang="en-US" altLang="zh-TW" dirty="0">
-              <a:latin typeface="微軟正黑體" panose="020B0604030504040204" pitchFamily="34" charset="-120"/>
-              <a:ea typeface="微軟正黑體" panose="020B0604030504040204" pitchFamily="34" charset="-120"/>
-            </a:endParaRPr>
+            <a:pPr marL="457200" lvl="0" indent="-342900" algn="l" rtl="0">
+              <a:lnSpc>
+                <a:spcPct val="115000"/>
+              </a:lnSpc>
+              <a:spcBef>
+                <a:spcPts val="0"/>
+              </a:spcBef>
+              <a:spcAft>
+                <a:spcPts val="0"/>
+              </a:spcAft>
+              <a:buSzPts val="1800"/>
+              <a:buChar char="●"/>
+            </a:pPr>
+            <a:r>
+              <a:rPr lang="en-US" altLang="zh-TW" dirty="0"/>
+              <a:t>TOPC </a:t>
+            </a:r>
           </a:p>
           <a:p>
             <a:pPr lvl="1" indent="-342900">
@@ -13213,7 +13143,6 @@
                 <a:spcPts val="0"/>
               </a:spcBef>
               <a:buSzPts val="1800"/>
-              <a:buFont typeface="Proxima Nova"/>
               <a:buChar char="●"/>
             </a:pPr>
             <a:r>
@@ -13228,7 +13157,35 @@
                 <a:latin typeface="微軟正黑體" panose="020B0604030504040204" pitchFamily="34" charset="-120"/>
                 <a:ea typeface="微軟正黑體" panose="020B0604030504040204" pitchFamily="34" charset="-120"/>
               </a:rPr>
-              <a:t>，經驗來看六題左右</a:t>
+              <a:t>，至少 </a:t>
+            </a:r>
+            <a:r>
+              <a:rPr lang="en-US" altLang="zh-TW" sz="1600" dirty="0">
+                <a:latin typeface="微軟正黑體" panose="020B0604030504040204" pitchFamily="34" charset="-120"/>
+                <a:ea typeface="微軟正黑體" panose="020B0604030504040204" pitchFamily="34" charset="-120"/>
+              </a:rPr>
+              <a:t>7 </a:t>
+            </a:r>
+            <a:r>
+              <a:rPr lang="zh-TW" altLang="en-US" sz="1600" dirty="0">
+                <a:latin typeface="微軟正黑體" panose="020B0604030504040204" pitchFamily="34" charset="-120"/>
+                <a:ea typeface="微軟正黑體" panose="020B0604030504040204" pitchFamily="34" charset="-120"/>
+              </a:rPr>
+              <a:t>題（往年都是 </a:t>
+            </a:r>
+            <a:r>
+              <a:rPr lang="en-US" altLang="zh-TW" sz="1600" dirty="0">
+                <a:latin typeface="微軟正黑體" panose="020B0604030504040204" pitchFamily="34" charset="-120"/>
+                <a:ea typeface="微軟正黑體" panose="020B0604030504040204" pitchFamily="34" charset="-120"/>
+              </a:rPr>
+              <a:t>10 </a:t>
+            </a:r>
+            <a:r>
+              <a:rPr lang="zh-TW" altLang="en-US" sz="1600" dirty="0">
+                <a:latin typeface="微軟正黑體" panose="020B0604030504040204" pitchFamily="34" charset="-120"/>
+                <a:ea typeface="微軟正黑體" panose="020B0604030504040204" pitchFamily="34" charset="-120"/>
+              </a:rPr>
+              <a:t>題左右）</a:t>
             </a:r>
             <a:endParaRPr lang="en-US" altLang="zh-TW" sz="1600" dirty="0">
               <a:latin typeface="微軟正黑體" panose="020B0604030504040204" pitchFamily="34" charset="-120"/>
@@ -13241,7 +13198,6 @@
                 <a:spcPts val="0"/>
               </a:spcBef>
               <a:buSzPts val="1800"/>
-              <a:buFont typeface="Proxima Nova"/>
               <a:buChar char="●"/>
             </a:pPr>
             <a:r>
@@ -13249,35 +13205,49 @@
                 <a:latin typeface="微軟正黑體" panose="020B0604030504040204" pitchFamily="34" charset="-120"/>
                 <a:ea typeface="微軟正黑體" panose="020B0604030504040204" pitchFamily="34" charset="-120"/>
               </a:rPr>
-              <a:t>會找各校的人幫忙，辦在各校裡面，除台清交比賽自己辦之外，剩下學校同一時間用這些題目取前 </a:t>
+              <a:t>有 </a:t>
             </a:r>
             <a:r>
               <a:rPr lang="en-US" altLang="zh-TW" sz="1600" dirty="0">
                 <a:latin typeface="微軟正黑體" panose="020B0604030504040204" pitchFamily="34" charset="-120"/>
                 <a:ea typeface="微軟正黑體" panose="020B0604030504040204" pitchFamily="34" charset="-120"/>
               </a:rPr>
-              <a:t>6 </a:t>
+              <a:t>ceil(</a:t>
             </a:r>
             <a:r>
               <a:rPr lang="zh-TW" altLang="en-US" sz="1600" dirty="0">
                 <a:latin typeface="微軟正黑體" panose="020B0604030504040204" pitchFamily="34" charset="-120"/>
                 <a:ea typeface="微軟正黑體" panose="020B0604030504040204" pitchFamily="34" charset="-120"/>
               </a:rPr>
-              <a:t>隊進 </a:t>
+              <a:t>題數</a:t>
             </a:r>
             <a:r>
               <a:rPr lang="en-US" altLang="zh-TW" sz="1600" dirty="0">
                 <a:latin typeface="微軟正黑體" panose="020B0604030504040204" pitchFamily="34" charset="-120"/>
                 <a:ea typeface="微軟正黑體" panose="020B0604030504040204" pitchFamily="34" charset="-120"/>
               </a:rPr>
-              <a:t>NCPC </a:t>
+              <a:t>/3) </a:t>
             </a:r>
             <a:r>
               <a:rPr lang="zh-TW" altLang="en-US" sz="1600" dirty="0">
                 <a:latin typeface="微軟正黑體" panose="020B0604030504040204" pitchFamily="34" charset="-120"/>
                 <a:ea typeface="微軟正黑體" panose="020B0604030504040204" pitchFamily="34" charset="-120"/>
               </a:rPr>
-              <a:t>決賽</a:t>
+              <a:t>題可以用 </a:t>
+            </a:r>
+            <a:r>
+              <a:rPr lang="en-US" altLang="zh-TW" sz="1600" dirty="0">
+                <a:latin typeface="微軟正黑體" panose="020B0604030504040204" pitchFamily="34" charset="-120"/>
+                <a:ea typeface="微軟正黑體" panose="020B0604030504040204" pitchFamily="34" charset="-120"/>
+              </a:rPr>
+              <a:t>python3 </a:t>
+            </a:r>
+            <a:r>
+              <a:rPr lang="zh-TW" altLang="en-US" sz="1600" dirty="0">
+                <a:latin typeface="微軟正黑體" panose="020B0604030504040204" pitchFamily="34" charset="-120"/>
+                <a:ea typeface="微軟正黑體" panose="020B0604030504040204" pitchFamily="34" charset="-120"/>
+              </a:rPr>
+              <a:t>寫</a:t>
             </a:r>
             <a:endParaRPr lang="en-US" altLang="zh-TW" sz="1600" dirty="0">
               <a:latin typeface="微軟正黑體" panose="020B0604030504040204" pitchFamily="34" charset="-120"/>
@@ -13290,30 +13260,73 @@
                 <a:spcPts val="0"/>
               </a:spcBef>
               <a:buSzPts val="1800"/>
-              <a:buFont typeface="Proxima Nova"/>
               <a:buChar char="●"/>
             </a:pPr>
+            <a:r>
+              <a:rPr lang="zh-TW" altLang="en-US" sz="1600" dirty="0">
+                <a:latin typeface="微軟正黑體" panose="020B0604030504040204" pitchFamily="34" charset="-120"/>
+                <a:ea typeface="微軟正黑體" panose="020B0604030504040204" pitchFamily="34" charset="-120"/>
+              </a:rPr>
+              <a:t>自我道德約束，地點不限</a:t>
+            </a:r>
             <a:endParaRPr lang="en-US" altLang="zh-TW" sz="1600" dirty="0">
               <a:latin typeface="微軟正黑體" panose="020B0604030504040204" pitchFamily="34" charset="-120"/>
               <a:ea typeface="微軟正黑體" panose="020B0604030504040204" pitchFamily="34" charset="-120"/>
             </a:endParaRPr>
           </a:p>
           <a:p>
+            <a:pPr lvl="1" indent="-342900">
+              <a:spcBef>
+                <a:spcPts val="0"/>
+              </a:spcBef>
+              <a:buSzPts val="1800"/>
+              <a:buChar char="●"/>
+            </a:pPr>
+            <a:endParaRPr lang="en-US" altLang="zh-TW" sz="1600" dirty="0">
+              <a:latin typeface="微軟正黑體" panose="020B0604030504040204" pitchFamily="34" charset="-120"/>
+              <a:ea typeface="微軟正黑體" panose="020B0604030504040204" pitchFamily="34" charset="-120"/>
+            </a:endParaRPr>
+          </a:p>
+          <a:p>
             <a:r>
               <a:rPr lang="en-US" altLang="zh-TW" dirty="0">
                 <a:latin typeface="微軟正黑體" panose="020B0604030504040204" pitchFamily="34" charset="-120"/>
                 <a:ea typeface="微軟正黑體" panose="020B0604030504040204" pitchFamily="34" charset="-120"/>
               </a:rPr>
-              <a:t>NCPC </a:t>
-            </a:r>
-            <a:r>
-              <a:rPr lang="zh-TW" altLang="en-US" dirty="0">
+              <a:t>ICPC</a:t>
+            </a:r>
+          </a:p>
+          <a:p>
+            <a:pPr lvl="1" indent="-342900">
+              <a:spcBef>
+                <a:spcPts val="0"/>
+              </a:spcBef>
+              <a:buSzPts val="1800"/>
+              <a:buFont typeface="Proxima Nova"/>
+              <a:buChar char="●"/>
+            </a:pPr>
+            <a:r>
+              <a:rPr lang="zh-TW" altLang="en-US" sz="1600" dirty="0">
                 <a:latin typeface="微軟正黑體" panose="020B0604030504040204" pitchFamily="34" charset="-120"/>
                 <a:ea typeface="微軟正黑體" panose="020B0604030504040204" pitchFamily="34" charset="-120"/>
               </a:rPr>
-              <a:t>決賽</a:t>
-            </a:r>
-            <a:endParaRPr lang="en-US" altLang="zh-TW" dirty="0">
+              <a:t>第一天報到放 </a:t>
+            </a:r>
+            <a:r>
+              <a:rPr lang="en-US" altLang="zh-TW" sz="1600" dirty="0">
+                <a:latin typeface="微軟正黑體" panose="020B0604030504040204" pitchFamily="34" charset="-120"/>
+                <a:ea typeface="微軟正黑體" panose="020B0604030504040204" pitchFamily="34" charset="-120"/>
+              </a:rPr>
+              <a:t>codebook</a:t>
+            </a:r>
+            <a:r>
+              <a:rPr lang="zh-TW" altLang="en-US" sz="1600" dirty="0">
+                <a:latin typeface="微軟正黑體" panose="020B0604030504040204" pitchFamily="34" charset="-120"/>
+                <a:ea typeface="微軟正黑體" panose="020B0604030504040204" pitchFamily="34" charset="-120"/>
+              </a:rPr>
+              <a:t>、文具、水壺，第二天寄放背包之後空手進會場</a:t>
+            </a:r>
+            <a:endParaRPr lang="en-US" altLang="zh-TW" sz="1600" dirty="0">
               <a:latin typeface="微軟正黑體" panose="020B0604030504040204" pitchFamily="34" charset="-120"/>
               <a:ea typeface="微軟正黑體" panose="020B0604030504040204" pitchFamily="34" charset="-120"/>
             </a:endParaRPr>
@@ -13346,7 +13359,7 @@
                 <a:latin typeface="微軟正黑體" panose="020B0604030504040204" pitchFamily="34" charset="-120"/>
                 <a:ea typeface="微軟正黑體" panose="020B0604030504040204" pitchFamily="34" charset="-120"/>
               </a:rPr>
-              <a:t>10 ~ 15 </a:t>
+              <a:t>8~13 </a:t>
             </a:r>
             <a:r>
               <a:rPr lang="zh-TW" altLang="en-US" sz="1600" dirty="0">
@@ -13374,25 +13387,64 @@
                 <a:latin typeface="微軟正黑體" panose="020B0604030504040204" pitchFamily="34" charset="-120"/>
                 <a:ea typeface="微軟正黑體" panose="020B0604030504040204" pitchFamily="34" charset="-120"/>
               </a:rPr>
-              <a:t>北部學校在師大圖書館校區的教育學院大樓，南部學校在中山大學的圖書資訊大樓 </a:t>
-            </a:r>
+              <a:t>臺灣最大的程式設計比賽</a:t>
+            </a:r>
+            <a:endParaRPr lang="en-US" altLang="zh-TW" sz="1600" dirty="0">
+              <a:latin typeface="微軟正黑體" panose="020B0604030504040204" pitchFamily="34" charset="-120"/>
+              <a:ea typeface="微軟正黑體" panose="020B0604030504040204" pitchFamily="34" charset="-120"/>
+            </a:endParaRPr>
+          </a:p>
+          <a:p>
+            <a:pPr lvl="1" indent="-342900">
+              <a:spcBef>
+                <a:spcPts val="0"/>
+              </a:spcBef>
+              <a:buSzPts val="1800"/>
+              <a:buFont typeface="Proxima Nova"/>
+              <a:buChar char="●"/>
+            </a:pPr>
             <a:r>
               <a:rPr lang="en-US" altLang="zh-TW" sz="1600" dirty="0">
                 <a:latin typeface="微軟正黑體" panose="020B0604030504040204" pitchFamily="34" charset="-120"/>
                 <a:ea typeface="微軟正黑體" panose="020B0604030504040204" pitchFamily="34" charset="-120"/>
               </a:rPr>
-              <a:t>B1</a:t>
-            </a:r>
-          </a:p>
-          <a:p>
-            <a:pPr lvl="1" indent="-342900">
-              <a:spcBef>
-                <a:spcPts val="0"/>
-              </a:spcBef>
-              <a:buSzPts val="1800"/>
-              <a:buFont typeface="Proxima Nova"/>
-              <a:buChar char="●"/>
-            </a:pPr>
+              <a:t>17 </a:t>
+            </a:r>
+            <a:r>
+              <a:rPr lang="zh-TW" altLang="en-US" sz="1600" dirty="0">
+                <a:latin typeface="微軟正黑體" panose="020B0604030504040204" pitchFamily="34" charset="-120"/>
+                <a:ea typeface="微軟正黑體" panose="020B0604030504040204" pitchFamily="34" charset="-120"/>
+              </a:rPr>
+              <a:t>到 </a:t>
+            </a:r>
+            <a:r>
+              <a:rPr lang="en-US" altLang="zh-TW" sz="1600" dirty="0">
+                <a:latin typeface="微軟正黑體" panose="020B0604030504040204" pitchFamily="34" charset="-120"/>
+                <a:ea typeface="微軟正黑體" panose="020B0604030504040204" pitchFamily="34" charset="-120"/>
+              </a:rPr>
+              <a:t>23 </a:t>
+            </a:r>
+            <a:r>
+              <a:rPr lang="zh-TW" altLang="en-US" sz="1600" dirty="0">
+                <a:latin typeface="微軟正黑體" panose="020B0604030504040204" pitchFamily="34" charset="-120"/>
+                <a:ea typeface="微軟正黑體" panose="020B0604030504040204" pitchFamily="34" charset="-120"/>
+              </a:rPr>
+              <a:t>年的比賽地點分別是：東華大學、臺灣大學、臺北商業大學 </a:t>
+            </a:r>
+            <a:r>
+              <a:rPr lang="en-US" altLang="zh-TW" sz="1600" dirty="0">
+                <a:latin typeface="微軟正黑體" panose="020B0604030504040204" pitchFamily="34" charset="-120"/>
+                <a:ea typeface="微軟正黑體" panose="020B0604030504040204" pitchFamily="34" charset="-120"/>
+              </a:rPr>
+              <a:t>* 3</a:t>
+            </a:r>
+            <a:r>
+              <a:rPr lang="zh-TW" altLang="en-US" sz="1600" dirty="0">
+                <a:latin typeface="微軟正黑體" panose="020B0604030504040204" pitchFamily="34" charset="-120"/>
+                <a:ea typeface="微軟正黑體" panose="020B0604030504040204" pitchFamily="34" charset="-120"/>
+              </a:rPr>
+              <a:t>、桃園武漢國中、桃園綜合體育館</a:t>
+            </a:r>
             <a:endParaRPr lang="en-US" altLang="zh-TW" sz="1600" dirty="0">
               <a:latin typeface="微軟正黑體" panose="020B0604030504040204" pitchFamily="34" charset="-120"/>
               <a:ea typeface="微軟正黑體" panose="020B0604030504040204" pitchFamily="34" charset="-120"/>
@@ -13489,7 +13541,7 @@
     </p:spTree>
     <p:extLst>
       <p:ext uri="{BB962C8B-B14F-4D97-AF65-F5344CB8AC3E}">
-        <p14:creationId xmlns:p14="http://schemas.microsoft.com/office/powerpoint/2010/main" val="3116856361"/>
+        <p14:creationId xmlns:p14="http://schemas.microsoft.com/office/powerpoint/2010/main" val="715500297"/>
       </p:ext>
     </p:extLst>
   </p:cSld>
@@ -13614,338 +13666,263 @@
               <a:buChar char="●"/>
             </a:pPr>
             <a:r>
+              <a:rPr lang="zh-TW" altLang="en-US" dirty="0"/>
+              <a:t>三人一臺電腦</a:t>
+            </a:r>
+            <a:endParaRPr lang="en-US" altLang="zh-TW" dirty="0"/>
+          </a:p>
+          <a:p>
+            <a:pPr marL="457200" lvl="0" indent="-342900" algn="l" rtl="0">
+              <a:lnSpc>
+                <a:spcPct val="115000"/>
+              </a:lnSpc>
+              <a:spcBef>
+                <a:spcPts val="0"/>
+              </a:spcBef>
+              <a:spcAft>
+                <a:spcPts val="0"/>
+              </a:spcAft>
+              <a:buSzPts val="1800"/>
+              <a:buChar char="●"/>
+            </a:pPr>
+            <a:r>
+              <a:rPr lang="zh-TW" altLang="en-US" dirty="0"/>
+              <a:t>都使用 </a:t>
+            </a:r>
+            <a:r>
+              <a:rPr lang="en-US" altLang="zh-TW" dirty="0"/>
+              <a:t>Dom Judge (2018 </a:t>
+            </a:r>
+            <a:r>
+              <a:rPr lang="zh-TW" altLang="en-US" dirty="0"/>
+              <a:t>年的比賽是 </a:t>
+            </a:r>
+            <a:r>
+              <a:rPr lang="en-US" altLang="zh-TW" dirty="0"/>
+              <a:t>PC^2)</a:t>
+            </a:r>
+          </a:p>
+          <a:p>
+            <a:pPr marL="457200" lvl="0" indent="-342900" algn="l" rtl="0">
+              <a:lnSpc>
+                <a:spcPct val="115000"/>
+              </a:lnSpc>
+              <a:spcBef>
+                <a:spcPts val="0"/>
+              </a:spcBef>
+              <a:spcAft>
+                <a:spcPts val="0"/>
+              </a:spcAft>
+              <a:buSzPts val="1800"/>
+              <a:buChar char="●"/>
+            </a:pPr>
+            <a:endParaRPr lang="en-US" altLang="zh-TW" dirty="0"/>
+          </a:p>
+          <a:p>
+            <a:pPr marL="457200" lvl="0" indent="-342900" algn="l" rtl="0">
+              <a:lnSpc>
+                <a:spcPct val="115000"/>
+              </a:lnSpc>
+              <a:spcBef>
+                <a:spcPts val="0"/>
+              </a:spcBef>
+              <a:spcAft>
+                <a:spcPts val="0"/>
+              </a:spcAft>
+              <a:buSzPts val="1800"/>
+              <a:buChar char="●"/>
+            </a:pPr>
+            <a:r>
+              <a:rPr lang="en-US" altLang="zh-TW" dirty="0"/>
+              <a:t>NCPC </a:t>
+            </a:r>
+            <a:r>
+              <a:rPr lang="zh-TW" altLang="en-US" dirty="0"/>
+              <a:t>初賽能不能印 </a:t>
+            </a:r>
+            <a:r>
+              <a:rPr lang="en-US" altLang="zh-TW" dirty="0"/>
+              <a:t>code</a:t>
+            </a:r>
+            <a:r>
+              <a:rPr lang="zh-TW" altLang="en-US" dirty="0"/>
+              <a:t>，環境</a:t>
+            </a:r>
+            <a:r>
+              <a:rPr lang="en-US" altLang="zh-TW" dirty="0"/>
+              <a:t>…</a:t>
+            </a:r>
+            <a:r>
+              <a:rPr lang="zh-TW" altLang="en-US" dirty="0"/>
+              <a:t>看學校</a:t>
+            </a:r>
+            <a:endParaRPr lang="en-US" altLang="zh-TW" dirty="0"/>
+          </a:p>
+          <a:p>
+            <a:pPr marL="457200" lvl="0" indent="-342900" algn="l" rtl="0">
+              <a:lnSpc>
+                <a:spcPct val="115000"/>
+              </a:lnSpc>
+              <a:spcBef>
+                <a:spcPts val="0"/>
+              </a:spcBef>
+              <a:spcAft>
+                <a:spcPts val="0"/>
+              </a:spcAft>
+              <a:buSzPts val="1800"/>
+              <a:buChar char="●"/>
+            </a:pPr>
+            <a:r>
               <a:rPr lang="en-US" altLang="zh-TW" dirty="0"/>
               <a:t>TOPC </a:t>
             </a:r>
-          </a:p>
-          <a:p>
-            <a:pPr lvl="1" indent="-342900">
-              <a:spcBef>
-                <a:spcPts val="0"/>
-              </a:spcBef>
+            <a:r>
+              <a:rPr lang="zh-TW" altLang="en-US" dirty="0"/>
+              <a:t>可以自己用印表機印 </a:t>
+            </a:r>
+            <a:r>
+              <a:rPr lang="en-US" altLang="zh-TW" dirty="0"/>
+              <a:t>code</a:t>
+            </a:r>
+          </a:p>
+          <a:p>
+            <a:pPr marL="457200" lvl="0" indent="-342900" algn="l" rtl="0">
+              <a:lnSpc>
+                <a:spcPct val="115000"/>
+              </a:lnSpc>
+              <a:spcBef>
+                <a:spcPts val="0"/>
+              </a:spcBef>
+              <a:spcAft>
+                <a:spcPts val="0"/>
+              </a:spcAft>
               <a:buSzPts val="1800"/>
               <a:buChar char="●"/>
             </a:pPr>
             <a:r>
-              <a:rPr lang="en-US" altLang="zh-TW" sz="1600" dirty="0">
-                <a:latin typeface="微軟正黑體" panose="020B0604030504040204" pitchFamily="34" charset="-120"/>
-                <a:ea typeface="微軟正黑體" panose="020B0604030504040204" pitchFamily="34" charset="-120"/>
-              </a:rPr>
-              <a:t>3 hours</a:t>
-            </a:r>
-            <a:r>
-              <a:rPr lang="zh-TW" altLang="en-US" sz="1600" dirty="0">
-                <a:latin typeface="微軟正黑體" panose="020B0604030504040204" pitchFamily="34" charset="-120"/>
-                <a:ea typeface="微軟正黑體" panose="020B0604030504040204" pitchFamily="34" charset="-120"/>
-              </a:rPr>
-              <a:t>，至少 </a:t>
-            </a:r>
-            <a:r>
-              <a:rPr lang="en-US" altLang="zh-TW" sz="1600" dirty="0">
-                <a:latin typeface="微軟正黑體" panose="020B0604030504040204" pitchFamily="34" charset="-120"/>
-                <a:ea typeface="微軟正黑體" panose="020B0604030504040204" pitchFamily="34" charset="-120"/>
-              </a:rPr>
-              <a:t>7 </a:t>
-            </a:r>
-            <a:r>
-              <a:rPr lang="zh-TW" altLang="en-US" sz="1600" dirty="0">
-                <a:latin typeface="微軟正黑體" panose="020B0604030504040204" pitchFamily="34" charset="-120"/>
-                <a:ea typeface="微軟正黑體" panose="020B0604030504040204" pitchFamily="34" charset="-120"/>
-              </a:rPr>
-              <a:t>題（往年都是 </a:t>
-            </a:r>
-            <a:r>
-              <a:rPr lang="en-US" altLang="zh-TW" sz="1600" dirty="0">
-                <a:latin typeface="微軟正黑體" panose="020B0604030504040204" pitchFamily="34" charset="-120"/>
-                <a:ea typeface="微軟正黑體" panose="020B0604030504040204" pitchFamily="34" charset="-120"/>
-              </a:rPr>
-              <a:t>10 </a:t>
-            </a:r>
-            <a:r>
-              <a:rPr lang="zh-TW" altLang="en-US" sz="1600" dirty="0">
-                <a:latin typeface="微軟正黑體" panose="020B0604030504040204" pitchFamily="34" charset="-120"/>
-                <a:ea typeface="微軟正黑體" panose="020B0604030504040204" pitchFamily="34" charset="-120"/>
-              </a:rPr>
-              <a:t>題左右）</a:t>
-            </a:r>
-            <a:endParaRPr lang="en-US" altLang="zh-TW" sz="1600" dirty="0">
-              <a:latin typeface="微軟正黑體" panose="020B0604030504040204" pitchFamily="34" charset="-120"/>
-              <a:ea typeface="微軟正黑體" panose="020B0604030504040204" pitchFamily="34" charset="-120"/>
-            </a:endParaRPr>
-          </a:p>
-          <a:p>
-            <a:pPr lvl="1" indent="-342900">
-              <a:spcBef>
-                <a:spcPts val="0"/>
-              </a:spcBef>
+              <a:rPr lang="en-US" altLang="zh-TW" dirty="0"/>
+              <a:t>NCPC </a:t>
+            </a:r>
+            <a:r>
+              <a:rPr lang="zh-TW" altLang="en-US" dirty="0"/>
+              <a:t>決賽 </a:t>
+            </a:r>
+            <a:r>
+              <a:rPr lang="en-US" altLang="zh-TW" dirty="0"/>
+              <a:t>/ ICPC regional </a:t>
+            </a:r>
+            <a:r>
+              <a:rPr lang="zh-TW" altLang="en-US" dirty="0"/>
+              <a:t>官方會幫你印 </a:t>
+            </a:r>
+            <a:r>
+              <a:rPr lang="en-US" altLang="zh-TW" dirty="0"/>
+              <a:t>code via </a:t>
+            </a:r>
+            <a:r>
+              <a:rPr lang="en-US" altLang="zh-TW" dirty="0" err="1"/>
+              <a:t>DOMjudge</a:t>
+            </a:r>
+            <a:endParaRPr lang="en-US" altLang="zh-TW" dirty="0"/>
+          </a:p>
+          <a:p>
+            <a:pPr marL="457200" lvl="0" indent="-342900" algn="l" rtl="0">
+              <a:lnSpc>
+                <a:spcPct val="115000"/>
+              </a:lnSpc>
+              <a:spcBef>
+                <a:spcPts val="0"/>
+              </a:spcBef>
+              <a:spcAft>
+                <a:spcPts val="0"/>
+              </a:spcAft>
               <a:buSzPts val="1800"/>
               <a:buChar char="●"/>
             </a:pPr>
-            <a:r>
-              <a:rPr lang="zh-TW" altLang="en-US" sz="1600" dirty="0">
-                <a:latin typeface="微軟正黑體" panose="020B0604030504040204" pitchFamily="34" charset="-120"/>
-                <a:ea typeface="微軟正黑體" panose="020B0604030504040204" pitchFamily="34" charset="-120"/>
-              </a:rPr>
-              <a:t>有 </a:t>
-            </a:r>
-            <a:r>
-              <a:rPr lang="en-US" altLang="zh-TW" sz="1600" dirty="0">
-                <a:latin typeface="微軟正黑體" panose="020B0604030504040204" pitchFamily="34" charset="-120"/>
-                <a:ea typeface="微軟正黑體" panose="020B0604030504040204" pitchFamily="34" charset="-120"/>
-              </a:rPr>
-              <a:t>ceil(</a:t>
-            </a:r>
-            <a:r>
-              <a:rPr lang="zh-TW" altLang="en-US" sz="1600" dirty="0">
-                <a:latin typeface="微軟正黑體" panose="020B0604030504040204" pitchFamily="34" charset="-120"/>
-                <a:ea typeface="微軟正黑體" panose="020B0604030504040204" pitchFamily="34" charset="-120"/>
-              </a:rPr>
-              <a:t>題數</a:t>
-            </a:r>
-            <a:r>
-              <a:rPr lang="en-US" altLang="zh-TW" sz="1600" dirty="0">
-                <a:latin typeface="微軟正黑體" panose="020B0604030504040204" pitchFamily="34" charset="-120"/>
-                <a:ea typeface="微軟正黑體" panose="020B0604030504040204" pitchFamily="34" charset="-120"/>
-              </a:rPr>
-              <a:t>/3) </a:t>
-            </a:r>
-            <a:r>
-              <a:rPr lang="zh-TW" altLang="en-US" sz="1600" dirty="0">
-                <a:latin typeface="微軟正黑體" panose="020B0604030504040204" pitchFamily="34" charset="-120"/>
-                <a:ea typeface="微軟正黑體" panose="020B0604030504040204" pitchFamily="34" charset="-120"/>
-              </a:rPr>
-              <a:t>題可以用 </a:t>
-            </a:r>
-            <a:r>
-              <a:rPr lang="en-US" altLang="zh-TW" sz="1600" dirty="0">
-                <a:latin typeface="微軟正黑體" panose="020B0604030504040204" pitchFamily="34" charset="-120"/>
-                <a:ea typeface="微軟正黑體" panose="020B0604030504040204" pitchFamily="34" charset="-120"/>
-              </a:rPr>
-              <a:t>python3 </a:t>
-            </a:r>
-            <a:r>
-              <a:rPr lang="zh-TW" altLang="en-US" sz="1600" dirty="0">
-                <a:latin typeface="微軟正黑體" panose="020B0604030504040204" pitchFamily="34" charset="-120"/>
-                <a:ea typeface="微軟正黑體" panose="020B0604030504040204" pitchFamily="34" charset="-120"/>
-              </a:rPr>
-              <a:t>寫</a:t>
-            </a:r>
-            <a:endParaRPr lang="en-US" altLang="zh-TW" sz="1600" dirty="0">
-              <a:latin typeface="微軟正黑體" panose="020B0604030504040204" pitchFamily="34" charset="-120"/>
-              <a:ea typeface="微軟正黑體" panose="020B0604030504040204" pitchFamily="34" charset="-120"/>
-            </a:endParaRPr>
-          </a:p>
-          <a:p>
-            <a:pPr lvl="1" indent="-342900">
-              <a:spcBef>
-                <a:spcPts val="0"/>
-              </a:spcBef>
+            <a:endParaRPr lang="en-US" altLang="zh-TW" dirty="0"/>
+          </a:p>
+          <a:p>
+            <a:pPr marL="457200" lvl="0" indent="-342900" algn="l" rtl="0">
+              <a:lnSpc>
+                <a:spcPct val="115000"/>
+              </a:lnSpc>
+              <a:spcBef>
+                <a:spcPts val="0"/>
+              </a:spcBef>
+              <a:spcAft>
+                <a:spcPts val="0"/>
+              </a:spcAft>
               <a:buSzPts val="1800"/>
               <a:buChar char="●"/>
             </a:pPr>
             <a:r>
-              <a:rPr lang="zh-TW" altLang="en-US" sz="1600" dirty="0">
-                <a:latin typeface="微軟正黑體" panose="020B0604030504040204" pitchFamily="34" charset="-120"/>
-                <a:ea typeface="微軟正黑體" panose="020B0604030504040204" pitchFamily="34" charset="-120"/>
-              </a:rPr>
-              <a:t>自我道德約束，地點不限</a:t>
-            </a:r>
-            <a:endParaRPr lang="en-US" altLang="zh-TW" sz="1600" dirty="0">
-              <a:latin typeface="微軟正黑體" panose="020B0604030504040204" pitchFamily="34" charset="-120"/>
-              <a:ea typeface="微軟正黑體" panose="020B0604030504040204" pitchFamily="34" charset="-120"/>
-            </a:endParaRPr>
-          </a:p>
-          <a:p>
-            <a:pPr lvl="1" indent="-342900">
-              <a:spcBef>
-                <a:spcPts val="0"/>
-              </a:spcBef>
+              <a:rPr lang="en-US" altLang="zh-TW" dirty="0"/>
+              <a:t>NCPC </a:t>
+            </a:r>
+            <a:r>
+              <a:rPr lang="zh-TW" altLang="en-US" dirty="0"/>
+              <a:t>決賽 </a:t>
+            </a:r>
+            <a:r>
+              <a:rPr lang="en-US" altLang="zh-TW" dirty="0"/>
+              <a:t>/ ICPC regional </a:t>
+            </a:r>
+            <a:r>
+              <a:rPr lang="zh-TW" altLang="en-US" dirty="0"/>
+              <a:t>答對一題會發一顆氣球，</a:t>
+            </a:r>
+            <a:r>
+              <a:rPr lang="en-US" altLang="zh-TW" dirty="0"/>
+              <a:t>scoreboard frozen </a:t>
+            </a:r>
+            <a:r>
+              <a:rPr lang="zh-TW" altLang="en-US" dirty="0"/>
+              <a:t>之後 </a:t>
+            </a:r>
+            <a:r>
+              <a:rPr lang="en-US" altLang="zh-TW" dirty="0"/>
+              <a:t>AC </a:t>
+            </a:r>
+            <a:r>
+              <a:rPr lang="zh-TW" altLang="en-US" dirty="0"/>
+              <a:t>不會發氣球</a:t>
+            </a:r>
+            <a:endParaRPr lang="en-US" altLang="zh-TW" dirty="0"/>
+          </a:p>
+          <a:p>
+            <a:pPr marL="457200" lvl="0" indent="-342900" algn="l" rtl="0">
+              <a:lnSpc>
+                <a:spcPct val="115000"/>
+              </a:lnSpc>
+              <a:spcBef>
+                <a:spcPts val="0"/>
+              </a:spcBef>
+              <a:spcAft>
+                <a:spcPts val="0"/>
+              </a:spcAft>
               <a:buSzPts val="1800"/>
               <a:buChar char="●"/>
             </a:pPr>
-            <a:endParaRPr lang="en-US" altLang="zh-TW" sz="1600" dirty="0">
-              <a:latin typeface="微軟正黑體" panose="020B0604030504040204" pitchFamily="34" charset="-120"/>
-              <a:ea typeface="微軟正黑體" panose="020B0604030504040204" pitchFamily="34" charset="-120"/>
-            </a:endParaRPr>
-          </a:p>
-          <a:p>
-            <a:r>
-              <a:rPr lang="en-US" altLang="zh-TW" dirty="0">
-                <a:latin typeface="微軟正黑體" panose="020B0604030504040204" pitchFamily="34" charset="-120"/>
-                <a:ea typeface="微軟正黑體" panose="020B0604030504040204" pitchFamily="34" charset="-120"/>
-              </a:rPr>
-              <a:t>ICPC</a:t>
-            </a:r>
-          </a:p>
-          <a:p>
-            <a:pPr lvl="1" indent="-342900">
-              <a:spcBef>
-                <a:spcPts val="0"/>
-              </a:spcBef>
-              <a:buSzPts val="1800"/>
-              <a:buFont typeface="Proxima Nova"/>
-              <a:buChar char="●"/>
-            </a:pPr>
-            <a:r>
-              <a:rPr lang="zh-TW" altLang="en-US" sz="1600" dirty="0">
-                <a:latin typeface="微軟正黑體" panose="020B0604030504040204" pitchFamily="34" charset="-120"/>
-                <a:ea typeface="微軟正黑體" panose="020B0604030504040204" pitchFamily="34" charset="-120"/>
-              </a:rPr>
-              <a:t>第一天報到放 </a:t>
-            </a:r>
-            <a:r>
-              <a:rPr lang="en-US" altLang="zh-TW" sz="1600" dirty="0">
-                <a:latin typeface="微軟正黑體" panose="020B0604030504040204" pitchFamily="34" charset="-120"/>
-                <a:ea typeface="微軟正黑體" panose="020B0604030504040204" pitchFamily="34" charset="-120"/>
-              </a:rPr>
-              <a:t>codebook</a:t>
-            </a:r>
-            <a:r>
-              <a:rPr lang="zh-TW" altLang="en-US" sz="1600" dirty="0">
-                <a:latin typeface="微軟正黑體" panose="020B0604030504040204" pitchFamily="34" charset="-120"/>
-                <a:ea typeface="微軟正黑體" panose="020B0604030504040204" pitchFamily="34" charset="-120"/>
-              </a:rPr>
-              <a:t>、文具、水壺，第二天寄放背包之後空手進會場</a:t>
-            </a:r>
-            <a:endParaRPr lang="en-US" altLang="zh-TW" sz="1600" dirty="0">
-              <a:latin typeface="微軟正黑體" panose="020B0604030504040204" pitchFamily="34" charset="-120"/>
-              <a:ea typeface="微軟正黑體" panose="020B0604030504040204" pitchFamily="34" charset="-120"/>
-            </a:endParaRPr>
-          </a:p>
-          <a:p>
-            <a:pPr lvl="1" indent="-342900">
-              <a:spcBef>
-                <a:spcPts val="0"/>
-              </a:spcBef>
-              <a:buSzPts val="1800"/>
-              <a:buFont typeface="Proxima Nova"/>
-              <a:buChar char="●"/>
-            </a:pPr>
-            <a:r>
-              <a:rPr lang="en-US" altLang="zh-TW" sz="1600" dirty="0">
-                <a:latin typeface="微軟正黑體" panose="020B0604030504040204" pitchFamily="34" charset="-120"/>
-                <a:ea typeface="微軟正黑體" panose="020B0604030504040204" pitchFamily="34" charset="-120"/>
-              </a:rPr>
-              <a:t>5 hours</a:t>
-            </a:r>
-            <a:r>
-              <a:rPr lang="zh-TW" altLang="en-US" sz="1600" dirty="0">
-                <a:latin typeface="微軟正黑體" panose="020B0604030504040204" pitchFamily="34" charset="-120"/>
-                <a:ea typeface="微軟正黑體" panose="020B0604030504040204" pitchFamily="34" charset="-120"/>
-              </a:rPr>
-              <a:t>，</a:t>
-            </a:r>
-            <a:r>
-              <a:rPr lang="en-US" altLang="zh-TW" sz="1600" dirty="0">
-                <a:latin typeface="微軟正黑體" panose="020B0604030504040204" pitchFamily="34" charset="-120"/>
-                <a:ea typeface="微軟正黑體" panose="020B0604030504040204" pitchFamily="34" charset="-120"/>
-              </a:rPr>
-              <a:t>8~13 </a:t>
-            </a:r>
-            <a:r>
-              <a:rPr lang="zh-TW" altLang="en-US" sz="1600" dirty="0">
-                <a:latin typeface="微軟正黑體" panose="020B0604030504040204" pitchFamily="34" charset="-120"/>
-                <a:ea typeface="微軟正黑體" panose="020B0604030504040204" pitchFamily="34" charset="-120"/>
-              </a:rPr>
-              <a:t>題</a:t>
-            </a:r>
-            <a:endParaRPr lang="en-US" altLang="zh-TW" sz="1600" dirty="0">
-              <a:latin typeface="微軟正黑體" panose="020B0604030504040204" pitchFamily="34" charset="-120"/>
-              <a:ea typeface="微軟正黑體" panose="020B0604030504040204" pitchFamily="34" charset="-120"/>
-            </a:endParaRPr>
-          </a:p>
-          <a:p>
-            <a:pPr lvl="1" indent="-342900">
-              <a:spcBef>
-                <a:spcPts val="0"/>
-              </a:spcBef>
-              <a:buSzPts val="1800"/>
-              <a:buFont typeface="Proxima Nova"/>
-              <a:buChar char="●"/>
-            </a:pPr>
-            <a:r>
-              <a:rPr lang="zh-TW" altLang="en-US" sz="1600" dirty="0">
-                <a:latin typeface="微軟正黑體" panose="020B0604030504040204" pitchFamily="34" charset="-120"/>
-                <a:ea typeface="微軟正黑體" panose="020B0604030504040204" pitchFamily="34" charset="-120"/>
-              </a:rPr>
-              <a:t>臺灣最大的程式設計比賽</a:t>
-            </a:r>
-            <a:endParaRPr lang="en-US" altLang="zh-TW" sz="1600" dirty="0">
-              <a:latin typeface="微軟正黑體" panose="020B0604030504040204" pitchFamily="34" charset="-120"/>
-              <a:ea typeface="微軟正黑體" panose="020B0604030504040204" pitchFamily="34" charset="-120"/>
-            </a:endParaRPr>
-          </a:p>
-          <a:p>
-            <a:pPr lvl="1" indent="-342900">
-              <a:spcBef>
-                <a:spcPts val="0"/>
-              </a:spcBef>
-              <a:buSzPts val="1800"/>
-              <a:buFont typeface="Proxima Nova"/>
-              <a:buChar char="●"/>
-            </a:pPr>
-            <a:r>
-              <a:rPr lang="en-US" altLang="zh-TW" sz="1600" dirty="0">
-                <a:latin typeface="微軟正黑體" panose="020B0604030504040204" pitchFamily="34" charset="-120"/>
-                <a:ea typeface="微軟正黑體" panose="020B0604030504040204" pitchFamily="34" charset="-120"/>
-              </a:rPr>
-              <a:t>17 </a:t>
-            </a:r>
-            <a:r>
-              <a:rPr lang="zh-TW" altLang="en-US" sz="1600" dirty="0">
-                <a:latin typeface="微軟正黑體" panose="020B0604030504040204" pitchFamily="34" charset="-120"/>
-                <a:ea typeface="微軟正黑體" panose="020B0604030504040204" pitchFamily="34" charset="-120"/>
-              </a:rPr>
-              <a:t>到 </a:t>
-            </a:r>
-            <a:r>
-              <a:rPr lang="en-US" altLang="zh-TW" sz="1600" dirty="0">
-                <a:latin typeface="微軟正黑體" panose="020B0604030504040204" pitchFamily="34" charset="-120"/>
-                <a:ea typeface="微軟正黑體" panose="020B0604030504040204" pitchFamily="34" charset="-120"/>
-              </a:rPr>
-              <a:t>23 </a:t>
-            </a:r>
-            <a:r>
-              <a:rPr lang="zh-TW" altLang="en-US" sz="1600" dirty="0">
-                <a:latin typeface="微軟正黑體" panose="020B0604030504040204" pitchFamily="34" charset="-120"/>
-                <a:ea typeface="微軟正黑體" panose="020B0604030504040204" pitchFamily="34" charset="-120"/>
-              </a:rPr>
-              <a:t>年的比賽地點分別是：東華大學、臺灣大學、臺北商業大學 </a:t>
-            </a:r>
-            <a:r>
-              <a:rPr lang="en-US" altLang="zh-TW" sz="1600" dirty="0">
-                <a:latin typeface="微軟正黑體" panose="020B0604030504040204" pitchFamily="34" charset="-120"/>
-                <a:ea typeface="微軟正黑體" panose="020B0604030504040204" pitchFamily="34" charset="-120"/>
-              </a:rPr>
-              <a:t>* 3</a:t>
-            </a:r>
-            <a:r>
-              <a:rPr lang="zh-TW" altLang="en-US" sz="1600" dirty="0">
-                <a:latin typeface="微軟正黑體" panose="020B0604030504040204" pitchFamily="34" charset="-120"/>
-                <a:ea typeface="微軟正黑體" panose="020B0604030504040204" pitchFamily="34" charset="-120"/>
-              </a:rPr>
-              <a:t>、桃園武漢國中、桃園綜合體育館</a:t>
-            </a:r>
-            <a:endParaRPr lang="en-US" altLang="zh-TW" sz="1600" dirty="0">
-              <a:latin typeface="微軟正黑體" panose="020B0604030504040204" pitchFamily="34" charset="-120"/>
-              <a:ea typeface="微軟正黑體" panose="020B0604030504040204" pitchFamily="34" charset="-120"/>
-            </a:endParaRPr>
-          </a:p>
-          <a:p>
-            <a:pPr marL="114300" lvl="0" indent="0" algn="l" rtl="0">
-              <a:lnSpc>
-                <a:spcPct val="115000"/>
-              </a:lnSpc>
-              <a:spcBef>
-                <a:spcPts val="0"/>
-              </a:spcBef>
-              <a:spcAft>
-                <a:spcPts val="0"/>
-              </a:spcAft>
-              <a:buSzPts val="1800"/>
-              <a:buNone/>
-            </a:pPr>
-            <a:endParaRPr lang="en-US" altLang="zh-TW" dirty="0"/>
+            <a:r>
+              <a:rPr lang="en-US" altLang="zh-TW" dirty="0"/>
+              <a:t>NCPC </a:t>
+            </a:r>
+            <a:r>
+              <a:rPr lang="zh-TW" altLang="en-US" dirty="0"/>
+              <a:t>決賽</a:t>
+            </a:r>
+            <a:r>
+              <a:rPr lang="en-US" altLang="zh-TW" dirty="0"/>
+              <a:t> / ICPC regional OS </a:t>
+            </a:r>
+            <a:r>
+              <a:rPr lang="zh-TW" altLang="en-US" dirty="0"/>
+              <a:t>均為 </a:t>
+            </a:r>
+            <a:r>
+              <a:rPr lang="en-US" altLang="zh-TW" dirty="0"/>
+              <a:t>ubuntu</a:t>
+            </a:r>
           </a:p>
           <a:p>
             <a:pPr marL="457200" lvl="0" indent="-342900" algn="l" rtl="0">
@@ -13961,7 +13938,19 @@
               <a:buSzPts val="1800"/>
               <a:buChar char="●"/>
             </a:pPr>
-            <a:endParaRPr lang="en-US" dirty="0"/>
+            <a:r>
+              <a:rPr lang="zh-TW" altLang="en-US" dirty="0"/>
+              <a:t>語言都是 </a:t>
+            </a:r>
+            <a:r>
+              <a:rPr lang="en-US" altLang="zh-TW" dirty="0"/>
+              <a:t>C/C++, Java, Python, </a:t>
+            </a:r>
+            <a:r>
+              <a:rPr lang="en-US" altLang="zh-TW" dirty="0" err="1"/>
+              <a:t>kotlin</a:t>
+            </a:r>
+            <a:endParaRPr lang="en-US" altLang="zh-TW" dirty="0"/>
           </a:p>
           <a:p>
             <a:pPr marL="457200" lvl="0" indent="-342900" algn="l" rtl="0">
@@ -13977,7 +13966,23 @@
               <a:buSzPts val="1800"/>
               <a:buChar char="●"/>
             </a:pPr>
-            <a:endParaRPr dirty="0"/>
+            <a:endParaRPr lang="en-US" altLang="zh-TW" dirty="0"/>
+          </a:p>
+          <a:p>
+            <a:pPr marL="457200" lvl="0" indent="-342900" algn="l" rtl="0">
+              <a:lnSpc>
+                <a:spcPct val="115000"/>
+              </a:lnSpc>
+              <a:spcBef>
+                <a:spcPts val="0"/>
+              </a:spcBef>
+              <a:spcAft>
+                <a:spcPts val="0"/>
+              </a:spcAft>
+              <a:buSzPts val="1800"/>
+              <a:buChar char="●"/>
+            </a:pPr>
+            <a:endParaRPr lang="en-US" altLang="zh-TW" dirty="0"/>
           </a:p>
         </p:txBody>
       </p:sp>
@@ -14022,7 +14027,7 @@
     </p:spTree>
     <p:extLst>
       <p:ext uri="{BB962C8B-B14F-4D97-AF65-F5344CB8AC3E}">
-        <p14:creationId xmlns:p14="http://schemas.microsoft.com/office/powerpoint/2010/main" val="715500297"/>
+        <p14:creationId xmlns:p14="http://schemas.microsoft.com/office/powerpoint/2010/main" val="197653016"/>
       </p:ext>
     </p:extLst>
   </p:cSld>
@@ -14092,8 +14097,12 @@
               <a:buNone/>
             </a:pPr>
             <a:r>
+              <a:rPr lang="en-US" altLang="zh-TW" dirty="0"/>
+              <a:t>ICPC </a:t>
+            </a:r>
+            <a:r>
               <a:rPr lang="zh-TW" altLang="en-US" dirty="0"/>
-              <a:t>比賽簡介</a:t>
+              <a:t>晉級規定</a:t>
             </a:r>
             <a:endParaRPr dirty="0">
               <a:latin typeface="Microsoft JhengHei"/>
@@ -14148,9 +14157,24 @@
             </a:pPr>
             <a:r>
               <a:rPr lang="zh-TW" altLang="en-US" dirty="0"/>
-              <a:t>三人一臺電腦</a:t>
-            </a:r>
-            <a:endParaRPr lang="en-US" altLang="zh-TW" dirty="0"/>
+              <a:t>參加 </a:t>
+            </a:r>
+            <a:r>
+              <a:rPr lang="en-US" altLang="zh-TW" dirty="0"/>
+              <a:t>TOPC </a:t>
+            </a:r>
+            <a:r>
+              <a:rPr lang="zh-TW" altLang="en-US" dirty="0"/>
+              <a:t>且解出一題的隊伍中，錄取每校最優一隊，此類限 </a:t>
+            </a:r>
+            <a:r>
+              <a:rPr lang="en-US" altLang="zh-TW" dirty="0"/>
+              <a:t>30 </a:t>
+            </a:r>
+            <a:r>
+              <a:rPr lang="zh-TW" altLang="en-US" dirty="0"/>
+              <a:t>隊。</a:t>
+            </a:r>
           </a:p>
           <a:p>
             <a:pPr marL="457200" lvl="0" indent="-342900" algn="l" rtl="0">
@@ -14168,19 +14192,15 @@
             </a:pPr>
             <a:r>
               <a:rPr lang="zh-TW" altLang="en-US" dirty="0"/>
-              <a:t>都使用 </a:t>
+              <a:t>私立比賽、科大比賽各前 </a:t>
             </a:r>
             <a:r>
               <a:rPr lang="en-US" altLang="zh-TW" dirty="0"/>
-              <a:t>Dom Judge (2018 </a:t>
+              <a:t>10 </a:t>
             </a:r>
             <a:r>
               <a:rPr lang="zh-TW" altLang="en-US" dirty="0"/>
-              <a:t>年的比賽是 </a:t>
-            </a:r>
-            <a:r>
-              <a:rPr lang="en-US" altLang="zh-TW" dirty="0"/>
-              <a:t>PC^2)</a:t>
+              <a:t>名</a:t>
             </a:r>
           </a:p>
           <a:p>
@@ -14197,7 +14217,30 @@
               <a:buSzPts val="1800"/>
               <a:buChar char="●"/>
             </a:pPr>
-            <a:endParaRPr lang="en-US" altLang="zh-TW" dirty="0"/>
+            <a:r>
+              <a:rPr lang="en-US" altLang="zh-TW" dirty="0"/>
+              <a:t>CPE </a:t>
+            </a:r>
+            <a:r>
+              <a:rPr lang="zh-TW" altLang="en-US" dirty="0"/>
+              <a:t>錄取 </a:t>
+            </a:r>
+            <a:r>
+              <a:rPr lang="en-US" altLang="zh-TW" dirty="0"/>
+              <a:t>10 </a:t>
+            </a:r>
+            <a:r>
+              <a:rPr lang="zh-TW" altLang="en-US" dirty="0"/>
+              <a:t>隊，但每校至多一隊，且需參加 </a:t>
+            </a:r>
+            <a:r>
+              <a:rPr lang="en-US" altLang="zh-TW" dirty="0"/>
+              <a:t>TOPC </a:t>
+            </a:r>
+            <a:r>
+              <a:rPr lang="zh-TW" altLang="en-US" dirty="0"/>
+              <a:t>並解出至少一題。</a:t>
+            </a:r>
           </a:p>
           <a:p>
             <a:pPr marL="457200" lvl="0" indent="-342900" algn="l" rtl="0">
@@ -14214,30 +14257,17 @@
               <a:buChar char="●"/>
             </a:pPr>
             <a:r>
+              <a:rPr lang="zh-TW" altLang="en-US" dirty="0"/>
+              <a:t>以上五類隊伍中，出現重複隊伍或因故放棄參賽者，由同校參與 </a:t>
+            </a:r>
+            <a:r>
               <a:rPr lang="en-US" altLang="zh-TW" dirty="0"/>
-              <a:t>NCPC </a:t>
+              <a:t>TOPC </a:t>
             </a:r>
             <a:r>
               <a:rPr lang="zh-TW" altLang="en-US" dirty="0"/>
-              <a:t>初賽能不能印 </a:t>
-            </a:r>
-            <a:r>
-              <a:rPr lang="en-US" altLang="zh-TW" dirty="0"/>
-              <a:t>code</a:t>
-            </a:r>
-            <a:r>
-              <a:rPr lang="zh-TW" altLang="en-US" dirty="0"/>
-              <a:t>，環境</a:t>
-            </a:r>
-            <a:r>
-              <a:rPr lang="en-US" altLang="zh-TW" dirty="0"/>
-              <a:t>…</a:t>
-            </a:r>
-            <a:r>
-              <a:rPr lang="zh-TW" altLang="en-US" dirty="0"/>
-              <a:t>看學校</a:t>
-            </a:r>
-            <a:endParaRPr lang="en-US" altLang="zh-TW" dirty="0"/>
+              <a:t>之隊伍依成績擇優遞補，直到該校隊伍用罄為止。</a:t>
+            </a:r>
           </a:p>
           <a:p>
             <a:pPr marL="457200" lvl="0" indent="-342900" algn="l" rtl="0">
@@ -14254,200 +14284,33 @@
               <a:buChar char="●"/>
             </a:pPr>
             <a:r>
+              <a:rPr lang="zh-TW" altLang="en-US" dirty="0"/>
+              <a:t>如前六類隊伍總數未達</a:t>
+            </a:r>
+            <a:r>
+              <a:rPr lang="en-US" altLang="zh-TW" dirty="0"/>
+              <a:t>100</a:t>
+            </a:r>
+            <a:r>
+              <a:rPr lang="zh-TW" altLang="en-US" dirty="0"/>
+              <a:t>隊時，由主辦單位邀請 </a:t>
+            </a:r>
+            <a:r>
               <a:rPr lang="en-US" altLang="zh-TW" dirty="0"/>
               <a:t>TOPC </a:t>
             </a:r>
             <a:r>
               <a:rPr lang="zh-TW" altLang="en-US" dirty="0"/>
-              <a:t>可以自己用印表機印 </a:t>
+              <a:t>績優隊伍參賽，受邀隊伍之隊伍排名須為前 </a:t>
             </a:r>
             <a:r>
               <a:rPr lang="en-US" altLang="zh-TW" dirty="0"/>
-              <a:t>code</a:t>
-            </a:r>
-          </a:p>
-          <a:p>
-            <a:pPr marL="457200" lvl="0" indent="-342900" algn="l" rtl="0">
-              <a:lnSpc>
-                <a:spcPct val="115000"/>
-              </a:lnSpc>
-              <a:spcBef>
-                <a:spcPts val="0"/>
-              </a:spcBef>
-              <a:spcAft>
-                <a:spcPts val="0"/>
-              </a:spcAft>
-              <a:buSzPts val="1800"/>
-              <a:buChar char="●"/>
-            </a:pPr>
-            <a:r>
-              <a:rPr lang="en-US" altLang="zh-TW" dirty="0"/>
-              <a:t>NCPC </a:t>
+              <a:t>50 %</a:t>
             </a:r>
             <a:r>
               <a:rPr lang="zh-TW" altLang="en-US" dirty="0"/>
-              <a:t>決賽 </a:t>
-            </a:r>
-            <a:r>
-              <a:rPr lang="en-US" altLang="zh-TW" dirty="0"/>
-              <a:t>/ ICPC regional </a:t>
-            </a:r>
-            <a:r>
-              <a:rPr lang="zh-TW" altLang="en-US" dirty="0"/>
-              <a:t>官方會幫你印 </a:t>
-            </a:r>
-            <a:r>
-              <a:rPr lang="en-US" altLang="zh-TW" dirty="0"/>
-              <a:t>code via </a:t>
-            </a:r>
-            <a:r>
-              <a:rPr lang="en-US" altLang="zh-TW" dirty="0" err="1"/>
-              <a:t>DOMjudge</a:t>
-            </a:r>
-            <a:endParaRPr lang="en-US" altLang="zh-TW" dirty="0"/>
-          </a:p>
-          <a:p>
-            <a:pPr marL="457200" lvl="0" indent="-342900" algn="l" rtl="0">
-              <a:lnSpc>
-                <a:spcPct val="115000"/>
-              </a:lnSpc>
-              <a:spcBef>
-                <a:spcPts val="0"/>
-              </a:spcBef>
-              <a:spcAft>
-                <a:spcPts val="0"/>
-              </a:spcAft>
-              <a:buSzPts val="1800"/>
-              <a:buChar char="●"/>
-            </a:pPr>
-            <a:endParaRPr lang="en-US" altLang="zh-TW" dirty="0"/>
-          </a:p>
-          <a:p>
-            <a:pPr marL="457200" lvl="0" indent="-342900" algn="l" rtl="0">
-              <a:lnSpc>
-                <a:spcPct val="115000"/>
-              </a:lnSpc>
-              <a:spcBef>
-                <a:spcPts val="0"/>
-              </a:spcBef>
-              <a:spcAft>
-                <a:spcPts val="0"/>
-              </a:spcAft>
-              <a:buSzPts val="1800"/>
-              <a:buChar char="●"/>
-            </a:pPr>
-            <a:r>
-              <a:rPr lang="en-US" altLang="zh-TW" dirty="0"/>
-              <a:t>NCPC </a:t>
-            </a:r>
-            <a:r>
-              <a:rPr lang="zh-TW" altLang="en-US" dirty="0"/>
-              <a:t>決賽 </a:t>
-            </a:r>
-            <a:r>
-              <a:rPr lang="en-US" altLang="zh-TW" dirty="0"/>
-              <a:t>/ ICPC regional </a:t>
-            </a:r>
-            <a:r>
-              <a:rPr lang="zh-TW" altLang="en-US" dirty="0"/>
-              <a:t>答對一題會發一顆氣球，</a:t>
-            </a:r>
-            <a:r>
-              <a:rPr lang="en-US" altLang="zh-TW" dirty="0"/>
-              <a:t>scoreboard frozen </a:t>
-            </a:r>
-            <a:r>
-              <a:rPr lang="zh-TW" altLang="en-US" dirty="0"/>
-              <a:t>之後 </a:t>
-            </a:r>
-            <a:r>
-              <a:rPr lang="en-US" altLang="zh-TW" dirty="0"/>
-              <a:t>AC </a:t>
-            </a:r>
-            <a:r>
-              <a:rPr lang="zh-TW" altLang="en-US" dirty="0"/>
-              <a:t>不會發氣球</a:t>
-            </a:r>
-            <a:endParaRPr lang="en-US" altLang="zh-TW" dirty="0"/>
-          </a:p>
-          <a:p>
-            <a:pPr marL="457200" lvl="0" indent="-342900" algn="l" rtl="0">
-              <a:lnSpc>
-                <a:spcPct val="115000"/>
-              </a:lnSpc>
-              <a:spcBef>
-                <a:spcPts val="0"/>
-              </a:spcBef>
-              <a:spcAft>
-                <a:spcPts val="0"/>
-              </a:spcAft>
-              <a:buSzPts val="1800"/>
-              <a:buChar char="●"/>
-            </a:pPr>
-            <a:r>
-              <a:rPr lang="en-US" altLang="zh-TW" dirty="0"/>
-              <a:t>NCPC </a:t>
-            </a:r>
-            <a:r>
-              <a:rPr lang="zh-TW" altLang="en-US" dirty="0"/>
-              <a:t>決賽</a:t>
-            </a:r>
-            <a:r>
-              <a:rPr lang="en-US" altLang="zh-TW" dirty="0"/>
-              <a:t> / ICPC regional OS </a:t>
-            </a:r>
-            <a:r>
-              <a:rPr lang="zh-TW" altLang="en-US" dirty="0"/>
-              <a:t>均為 </a:t>
-            </a:r>
-            <a:r>
-              <a:rPr lang="en-US" altLang="zh-TW" dirty="0"/>
-              <a:t>ubuntu</a:t>
-            </a:r>
-          </a:p>
-          <a:p>
-            <a:pPr marL="457200" lvl="0" indent="-342900" algn="l" rtl="0">
-              <a:lnSpc>
-                <a:spcPct val="115000"/>
-              </a:lnSpc>
-              <a:spcBef>
-                <a:spcPts val="0"/>
-              </a:spcBef>
-              <a:spcAft>
-                <a:spcPts val="0"/>
-              </a:spcAft>
-              <a:buSzPts val="1800"/>
-              <a:buChar char="●"/>
-            </a:pPr>
-            <a:r>
-              <a:rPr lang="zh-TW" altLang="en-US" dirty="0"/>
-              <a:t>語言都是 </a:t>
-            </a:r>
-            <a:r>
-              <a:rPr lang="en-US" altLang="zh-TW" dirty="0"/>
-              <a:t>C/C++, Java, Python, </a:t>
-            </a:r>
-            <a:r>
-              <a:rPr lang="en-US" altLang="zh-TW" dirty="0" err="1"/>
-              <a:t>kotlin</a:t>
-            </a:r>
-            <a:endParaRPr lang="en-US" altLang="zh-TW" dirty="0"/>
-          </a:p>
-          <a:p>
-            <a:pPr marL="457200" lvl="0" indent="-342900" algn="l" rtl="0">
-              <a:lnSpc>
-                <a:spcPct val="115000"/>
-              </a:lnSpc>
-              <a:spcBef>
-                <a:spcPts val="0"/>
-              </a:spcBef>
-              <a:spcAft>
-                <a:spcPts val="0"/>
-              </a:spcAft>
-              <a:buSzPts val="1800"/>
-              <a:buChar char="●"/>
-            </a:pPr>
-            <a:endParaRPr lang="en-US" altLang="zh-TW" dirty="0"/>
+              <a:t>。</a:t>
+            </a:r>
           </a:p>
           <a:p>
             <a:pPr marL="457200" lvl="0" indent="-342900" algn="l" rtl="0">
@@ -14501,14 +14364,14 @@
               <a:rPr lang="en-US" smtClean="0"/>
               <a:t>19</a:t>
             </a:fld>
-            <a:endParaRPr lang="en-US"/>
+            <a:endParaRPr lang="en-US" dirty="0"/>
           </a:p>
         </p:txBody>
       </p:sp>
     </p:spTree>
     <p:extLst>
       <p:ext uri="{BB962C8B-B14F-4D97-AF65-F5344CB8AC3E}">
-        <p14:creationId xmlns:p14="http://schemas.microsoft.com/office/powerpoint/2010/main" val="197653016"/>
+        <p14:creationId xmlns:p14="http://schemas.microsoft.com/office/powerpoint/2010/main" val="278123498"/>
       </p:ext>
     </p:extLst>
   </p:cSld>
@@ -14608,7 +14471,7 @@
         <p:spPr>
           <a:xfrm>
             <a:off x="311699" y="1152475"/>
-            <a:ext cx="8429691" cy="3416400"/>
+            <a:ext cx="5362960" cy="3416400"/>
           </a:xfrm>
           <a:prstGeom prst="rect">
             <a:avLst/>
@@ -14937,6 +14800,36 @@
           </a:p>
         </p:txBody>
       </p:sp>
+      <p:pic>
+        <p:nvPicPr>
+          <p:cNvPr id="4" name="圖片 3">
+            <a:extLst>
+              <a:ext uri="{FF2B5EF4-FFF2-40B4-BE49-F238E27FC236}">
+                <a16:creationId xmlns:a16="http://schemas.microsoft.com/office/drawing/2014/main" id="{D2BF2C4F-55D2-4E58-946D-95E9D16E0CB6}"/>
+              </a:ext>
+            </a:extLst>
+          </p:cNvPr>
+          <p:cNvPicPr>
+            <a:picLocks noChangeAspect="1"/>
+          </p:cNvPicPr>
+          <p:nvPr/>
+        </p:nvPicPr>
+        <p:blipFill>
+          <a:blip r:embed="rId4"/>
+          <a:stretch>
+            <a:fillRect/>
+          </a:stretch>
+        </p:blipFill>
+        <p:spPr>
+          <a:xfrm>
+            <a:off x="5836025" y="759397"/>
+            <a:ext cx="2910784" cy="3881045"/>
+          </a:xfrm>
+          <a:prstGeom prst="rect">
+            <a:avLst/>
+          </a:prstGeom>
+        </p:spPr>
+      </p:pic>
     </p:spTree>
     <p:extLst>
       <p:ext uri="{BB962C8B-B14F-4D97-AF65-F5344CB8AC3E}">
@@ -15011,11 +14904,7 @@
             </a:pPr>
             <a:r>
               <a:rPr lang="en-US" altLang="zh-TW" dirty="0"/>
-              <a:t>ICPC </a:t>
-            </a:r>
-            <a:r>
-              <a:rPr lang="zh-TW" altLang="en-US" dirty="0"/>
-              <a:t>晉級規定</a:t>
+              <a:t>Ranking &amp; Time penalty?</a:t>
             </a:r>
             <a:endParaRPr dirty="0">
               <a:latin typeface="Microsoft JhengHei"/>
@@ -15070,24 +14959,41 @@
             </a:pPr>
             <a:r>
               <a:rPr lang="zh-TW" altLang="en-US" dirty="0"/>
-              <a:t>參加 </a:t>
+              <a:t>比 </a:t>
             </a:r>
             <a:r>
               <a:rPr lang="en-US" altLang="zh-TW" dirty="0"/>
-              <a:t>TOPC </a:t>
+              <a:t>AC </a:t>
             </a:r>
             <a:r>
               <a:rPr lang="zh-TW" altLang="en-US" dirty="0"/>
-              <a:t>且解出一題的隊伍中，錄取每校最優一隊，此類限 </a:t>
+              <a:t>題數</a:t>
             </a:r>
             <a:r>
               <a:rPr lang="en-US" altLang="zh-TW" dirty="0"/>
-              <a:t>30 </a:t>
+              <a:t> -&gt; </a:t>
             </a:r>
             <a:r>
               <a:rPr lang="zh-TW" altLang="en-US" dirty="0"/>
-              <a:t>隊。</a:t>
-            </a:r>
+              <a:t>比 </a:t>
+            </a:r>
+            <a:r>
+              <a:rPr lang="en-US" altLang="zh-TW" dirty="0"/>
+              <a:t>penalty -&gt; </a:t>
+            </a:r>
+            <a:r>
+              <a:rPr lang="zh-TW" altLang="en-US" dirty="0"/>
+              <a:t>比 </a:t>
+            </a:r>
+            <a:r>
+              <a:rPr lang="en-US" altLang="zh-TW" dirty="0"/>
+              <a:t>submission ID </a:t>
+            </a:r>
+            <a:r>
+              <a:rPr lang="zh-TW" altLang="en-US" dirty="0"/>
+              <a:t>早晚</a:t>
+            </a:r>
+            <a:endParaRPr lang="en-US" altLang="zh-TW" dirty="0"/>
           </a:p>
           <a:p>
             <a:pPr marL="457200" lvl="0" indent="-342900" algn="l" rtl="0">
@@ -15104,17 +15010,30 @@
               <a:buChar char="●"/>
             </a:pPr>
             <a:r>
+              <a:rPr lang="en-US" altLang="zh-TW" dirty="0"/>
+              <a:t>penalty</a:t>
+            </a:r>
+            <a:r>
               <a:rPr lang="zh-TW" altLang="en-US" dirty="0"/>
-              <a:t>私立比賽、科大比賽各前 </a:t>
+              <a:t> 算法是 </a:t>
             </a:r>
             <a:r>
               <a:rPr lang="en-US" altLang="zh-TW" dirty="0"/>
-              <a:t>10 </a:t>
+              <a:t>AC </a:t>
             </a:r>
             <a:r>
               <a:rPr lang="zh-TW" altLang="en-US" dirty="0"/>
-              <a:t>名</a:t>
-            </a:r>
+              <a:t>所花的時間分鐘數總和 </a:t>
+            </a:r>
+            <a:r>
+              <a:rPr lang="en-US" altLang="zh-TW" dirty="0"/>
+              <a:t>+ penalty </a:t>
+            </a:r>
+            <a:r>
+              <a:rPr lang="zh-TW" altLang="en-US" dirty="0"/>
+              <a:t>分鐘數</a:t>
+            </a:r>
+            <a:endParaRPr lang="en-US" altLang="zh-TW" dirty="0"/>
           </a:p>
           <a:p>
             <a:pPr marL="457200" lvl="0" indent="-342900" algn="l" rtl="0">
@@ -15132,27 +15051,31 @@
             </a:pPr>
             <a:r>
               <a:rPr lang="en-US" altLang="zh-TW" dirty="0"/>
-              <a:t>CPE </a:t>
+              <a:t>CE </a:t>
             </a:r>
             <a:r>
               <a:rPr lang="zh-TW" altLang="en-US" dirty="0"/>
-              <a:t>錄取 </a:t>
+              <a:t>外的 </a:t>
             </a:r>
             <a:r>
               <a:rPr lang="en-US" altLang="zh-TW" dirty="0"/>
-              <a:t>10 </a:t>
+              <a:t>incorrect (WA, TLE, MLE, RE, no-output) </a:t>
             </a:r>
             <a:r>
               <a:rPr lang="zh-TW" altLang="en-US" dirty="0"/>
-              <a:t>隊，但每校至多一隊，且需參加 </a:t>
+              <a:t>一次</a:t>
             </a:r>
             <a:r>
               <a:rPr lang="en-US" altLang="zh-TW" dirty="0"/>
-              <a:t>TOPC </a:t>
+              <a:t>, </a:t>
             </a:r>
             <a:r>
               <a:rPr lang="zh-TW" altLang="en-US" dirty="0"/>
-              <a:t>並解出至少一題。</a:t>
+              <a:t>該題的 </a:t>
+            </a:r>
+            <a:r>
+              <a:rPr lang="en-US" altLang="zh-TW" dirty="0"/>
+              <a:t>Time penalty + 20 min</a:t>
             </a:r>
           </a:p>
           <a:p>
@@ -15171,59 +15094,25 @@
             </a:pPr>
             <a:r>
               <a:rPr lang="zh-TW" altLang="en-US" dirty="0"/>
-              <a:t>以上五類隊伍中，出現重複隊伍或因故放棄參賽者，由同校參與 </a:t>
+              <a:t>沒有 </a:t>
             </a:r>
             <a:r>
               <a:rPr lang="en-US" altLang="zh-TW" dirty="0"/>
-              <a:t>TOPC </a:t>
+              <a:t>AC </a:t>
             </a:r>
             <a:r>
               <a:rPr lang="zh-TW" altLang="en-US" dirty="0"/>
-              <a:t>之隊伍依成績擇優遞補，直到該校隊伍用罄為止。</a:t>
-            </a:r>
-          </a:p>
-          <a:p>
-            <a:pPr marL="457200" lvl="0" indent="-342900" algn="l" rtl="0">
-              <a:lnSpc>
-                <a:spcPct val="115000"/>
-              </a:lnSpc>
-              <a:spcBef>
-                <a:spcPts val="0"/>
-              </a:spcBef>
-              <a:spcAft>
-                <a:spcPts val="0"/>
-              </a:spcAft>
-              <a:buSzPts val="1800"/>
-              <a:buChar char="●"/>
-            </a:pPr>
+              <a:t>的題目不算在 </a:t>
+            </a:r>
+            <a:r>
+              <a:rPr lang="en-US" altLang="zh-TW" dirty="0"/>
+              <a:t>penalty </a:t>
+            </a:r>
             <a:r>
               <a:rPr lang="zh-TW" altLang="en-US" dirty="0"/>
-              <a:t>如前六類隊伍總數未達</a:t>
-            </a:r>
-            <a:r>
-              <a:rPr lang="en-US" altLang="zh-TW" dirty="0"/>
-              <a:t>100</a:t>
-            </a:r>
-            <a:r>
-              <a:rPr lang="zh-TW" altLang="en-US" dirty="0"/>
-              <a:t>隊時，由主辦單位邀請 </a:t>
-            </a:r>
-            <a:r>
-              <a:rPr lang="en-US" altLang="zh-TW" dirty="0"/>
-              <a:t>TOPC </a:t>
-            </a:r>
-            <a:r>
-              <a:rPr lang="zh-TW" altLang="en-US" dirty="0"/>
-              <a:t>績優隊伍參賽，受邀隊伍之隊伍排名須為前 </a:t>
-            </a:r>
-            <a:r>
-              <a:rPr lang="en-US" altLang="zh-TW" dirty="0"/>
-              <a:t>50 %</a:t>
-            </a:r>
-            <a:r>
-              <a:rPr lang="zh-TW" altLang="en-US" dirty="0"/>
-              <a:t>。</a:t>
-            </a:r>
+              <a:t>裡面</a:t>
+            </a:r>
+            <a:endParaRPr lang="en-US" altLang="zh-TW" dirty="0"/>
           </a:p>
           <a:p>
             <a:pPr marL="457200" lvl="0" indent="-342900" algn="l" rtl="0">
@@ -15281,10 +15170,40 @@
           </a:p>
         </p:txBody>
       </p:sp>
+      <p:pic>
+        <p:nvPicPr>
+          <p:cNvPr id="4" name="圖片 3">
+            <a:extLst>
+              <a:ext uri="{FF2B5EF4-FFF2-40B4-BE49-F238E27FC236}">
+                <a16:creationId xmlns:a16="http://schemas.microsoft.com/office/drawing/2014/main" id="{C0CFD813-ACF9-41DF-A62F-9FF150FD8878}"/>
+              </a:ext>
+            </a:extLst>
+          </p:cNvPr>
+          <p:cNvPicPr>
+            <a:picLocks noChangeAspect="1"/>
+          </p:cNvPicPr>
+          <p:nvPr/>
+        </p:nvPicPr>
+        <p:blipFill>
+          <a:blip r:embed="rId3"/>
+          <a:stretch>
+            <a:fillRect/>
+          </a:stretch>
+        </p:blipFill>
+        <p:spPr>
+          <a:xfrm>
+            <a:off x="73959" y="3109764"/>
+            <a:ext cx="9144000" cy="1371338"/>
+          </a:xfrm>
+          <a:prstGeom prst="rect">
+            <a:avLst/>
+          </a:prstGeom>
+        </p:spPr>
+      </p:pic>
     </p:spTree>
     <p:extLst>
       <p:ext uri="{BB962C8B-B14F-4D97-AF65-F5344CB8AC3E}">
-        <p14:creationId xmlns:p14="http://schemas.microsoft.com/office/powerpoint/2010/main" val="278123498"/>
+        <p14:creationId xmlns:p14="http://schemas.microsoft.com/office/powerpoint/2010/main" val="1250211856"/>
       </p:ext>
     </p:extLst>
   </p:cSld>
@@ -15354,8 +15273,8 @@
               <a:buNone/>
             </a:pPr>
             <a:r>
-              <a:rPr lang="en-US" altLang="zh-TW" dirty="0"/>
-              <a:t>Ranking &amp; Time penalty?</a:t>
+              <a:rPr lang="zh-TW" altLang="en-US" dirty="0"/>
+              <a:t>賽前準備</a:t>
             </a:r>
             <a:endParaRPr dirty="0">
               <a:latin typeface="Microsoft JhengHei"/>
@@ -15410,39 +15329,7 @@
             </a:pPr>
             <a:r>
               <a:rPr lang="zh-TW" altLang="en-US" dirty="0"/>
-              <a:t>比 </a:t>
-            </a:r>
-            <a:r>
-              <a:rPr lang="en-US" altLang="zh-TW" dirty="0"/>
-              <a:t>AC </a:t>
-            </a:r>
-            <a:r>
-              <a:rPr lang="zh-TW" altLang="en-US" dirty="0"/>
-              <a:t>題數</a:t>
-            </a:r>
-            <a:r>
-              <a:rPr lang="en-US" altLang="zh-TW" dirty="0"/>
-              <a:t> -&gt; </a:t>
-            </a:r>
-            <a:r>
-              <a:rPr lang="zh-TW" altLang="en-US" dirty="0"/>
-              <a:t>比 </a:t>
-            </a:r>
-            <a:r>
-              <a:rPr lang="en-US" altLang="zh-TW" dirty="0"/>
-              <a:t>penalty -&gt; </a:t>
-            </a:r>
-            <a:r>
-              <a:rPr lang="zh-TW" altLang="en-US" dirty="0"/>
-              <a:t>比 </a:t>
-            </a:r>
-            <a:r>
-              <a:rPr lang="en-US" altLang="zh-TW" dirty="0"/>
-              <a:t>submission ID </a:t>
-            </a:r>
-            <a:r>
-              <a:rPr lang="zh-TW" altLang="en-US" dirty="0"/>
-              <a:t>早晚</a:t>
+              <a:t>看好各比賽的官方通知</a:t>
             </a:r>
             <a:endParaRPr lang="en-US" altLang="zh-TW" dirty="0"/>
           </a:p>
@@ -15461,28 +15348,40 @@
               <a:buChar char="●"/>
             </a:pPr>
             <a:r>
+              <a:rPr lang="zh-TW" altLang="en-US" dirty="0"/>
+              <a:t>事先準備合規的 </a:t>
+            </a:r>
+            <a:r>
               <a:rPr lang="en-US" altLang="zh-TW" dirty="0"/>
-              <a:t>penalty</a:t>
+              <a:t>codebook</a:t>
             </a:r>
             <a:r>
               <a:rPr lang="zh-TW" altLang="en-US" dirty="0"/>
-              <a:t> 算法是 </a:t>
+              <a:t> </a:t>
             </a:r>
             <a:r>
               <a:rPr lang="en-US" altLang="zh-TW" dirty="0"/>
-              <a:t>AC </a:t>
+              <a:t>(</a:t>
             </a:r>
             <a:r>
               <a:rPr lang="zh-TW" altLang="en-US" dirty="0"/>
-              <a:t>所花的時間分鐘數總和 </a:t>
+              <a:t>不要訂裝，可能會被拆</a:t>
             </a:r>
             <a:r>
               <a:rPr lang="en-US" altLang="zh-TW" dirty="0"/>
-              <a:t>+ penalty </a:t>
+              <a:t>) </a:t>
             </a:r>
             <a:r>
               <a:rPr lang="zh-TW" altLang="en-US" dirty="0"/>
-              <a:t>分鐘數</a:t>
+              <a:t>去比賽會場，</a:t>
+            </a:r>
+            <a:r>
+              <a:rPr lang="en-US" altLang="zh-TW" dirty="0"/>
+              <a:t>ICPC day1 codebook </a:t>
+            </a:r>
+            <a:r>
+              <a:rPr lang="zh-TW" altLang="en-US" dirty="0"/>
+              <a:t>就要帶齊</a:t>
             </a:r>
             <a:endParaRPr lang="en-US" altLang="zh-TW" dirty="0"/>
           </a:p>
@@ -15501,69 +15400,15 @@
               <a:buChar char="●"/>
             </a:pPr>
             <a:r>
+              <a:rPr lang="en-US" altLang="zh-TW" dirty="0">
+                <a:hlinkClick r:id="rId3"/>
+              </a:rPr>
+              <a:t>ICPC regional rule 2023</a:t>
+            </a:r>
+            <a:r>
               <a:rPr lang="en-US" altLang="zh-TW" dirty="0"/>
-              <a:t>CE </a:t>
-            </a:r>
-            <a:r>
-              <a:rPr lang="zh-TW" altLang="en-US" dirty="0"/>
-              <a:t>外的 </a:t>
-            </a:r>
-            <a:r>
-              <a:rPr lang="en-US" altLang="zh-TW" dirty="0"/>
-              <a:t>incorrect (WA, TLE, MLE, RE, no-output) </a:t>
-            </a:r>
-            <a:r>
-              <a:rPr lang="zh-TW" altLang="en-US" dirty="0"/>
-              <a:t>一次</a:t>
-            </a:r>
-            <a:r>
-              <a:rPr lang="en-US" altLang="zh-TW" dirty="0"/>
-              <a:t>, </a:t>
-            </a:r>
-            <a:r>
-              <a:rPr lang="zh-TW" altLang="en-US" dirty="0"/>
-              <a:t>該題的 </a:t>
-            </a:r>
-            <a:r>
-              <a:rPr lang="en-US" altLang="zh-TW" dirty="0"/>
-              <a:t>Time penalty + 20 min</a:t>
-            </a:r>
-          </a:p>
-          <a:p>
-            <a:pPr marL="457200" lvl="0" indent="-342900" algn="l" rtl="0">
-              <a:lnSpc>
-                <a:spcPct val="115000"/>
-              </a:lnSpc>
-              <a:spcBef>
-                <a:spcPts val="0"/>
-              </a:spcBef>
-              <a:spcAft>
-                <a:spcPts val="0"/>
-              </a:spcAft>
-              <a:buSzPts val="1800"/>
-              <a:buChar char="●"/>
-            </a:pPr>
-            <a:r>
-              <a:rPr lang="zh-TW" altLang="en-US" dirty="0"/>
-              <a:t>沒有 </a:t>
-            </a:r>
-            <a:r>
-              <a:rPr lang="en-US" altLang="zh-TW" dirty="0"/>
-              <a:t>AC </a:t>
-            </a:r>
-            <a:r>
-              <a:rPr lang="zh-TW" altLang="en-US" dirty="0"/>
-              <a:t>的題目不算在 </a:t>
-            </a:r>
-            <a:r>
-              <a:rPr lang="en-US" altLang="zh-TW" dirty="0"/>
-              <a:t>penalty </a:t>
-            </a:r>
-            <a:r>
-              <a:rPr lang="zh-TW" altLang="en-US" dirty="0"/>
-              <a:t>裡面</a:t>
-            </a:r>
-            <a:endParaRPr lang="en-US" altLang="zh-TW" dirty="0"/>
+              <a:t>: </a:t>
+            </a:r>
           </a:p>
           <a:p>
             <a:pPr marL="457200" lvl="0" indent="-342900" algn="l" rtl="0">
@@ -15616,302 +15461,6 @@
             <a:fld id="{00000000-1234-1234-1234-123412341234}" type="slidenum">
               <a:rPr lang="en-US" smtClean="0"/>
               <a:t>21</a:t>
-            </a:fld>
-            <a:endParaRPr lang="en-US" dirty="0"/>
-          </a:p>
-        </p:txBody>
-      </p:sp>
-      <p:pic>
-        <p:nvPicPr>
-          <p:cNvPr id="4" name="圖片 3">
-            <a:extLst>
-              <a:ext uri="{FF2B5EF4-FFF2-40B4-BE49-F238E27FC236}">
-                <a16:creationId xmlns:a16="http://schemas.microsoft.com/office/drawing/2014/main" id="{C0CFD813-ACF9-41DF-A62F-9FF150FD8878}"/>
-              </a:ext>
-            </a:extLst>
-          </p:cNvPr>
-          <p:cNvPicPr>
-            <a:picLocks noChangeAspect="1"/>
-          </p:cNvPicPr>
-          <p:nvPr/>
-        </p:nvPicPr>
-        <p:blipFill>
-          <a:blip r:embed="rId3"/>
-          <a:stretch>
-            <a:fillRect/>
-          </a:stretch>
-        </p:blipFill>
-        <p:spPr>
-          <a:xfrm>
-            <a:off x="73959" y="3109764"/>
-            <a:ext cx="9144000" cy="1371338"/>
-          </a:xfrm>
-          <a:prstGeom prst="rect">
-            <a:avLst/>
-          </a:prstGeom>
-        </p:spPr>
-      </p:pic>
-    </p:spTree>
-    <p:extLst>
-      <p:ext uri="{BB962C8B-B14F-4D97-AF65-F5344CB8AC3E}">
-        <p14:creationId xmlns:p14="http://schemas.microsoft.com/office/powerpoint/2010/main" val="1250211856"/>
-      </p:ext>
-    </p:extLst>
-  </p:cSld>
-  <p:clrMapOvr>
-    <a:masterClrMapping/>
-  </p:clrMapOvr>
-</p:sld>
-</file>
-
-<file path=ppt/slides/slide22.xml><?xml version="1.0" encoding="utf-8"?>
-<p:sld xmlns:a="http://schemas.openxmlformats.org/drawingml/2006/main" xmlns:r="http://schemas.openxmlformats.org/officeDocument/2006/relationships" xmlns:p="http://schemas.openxmlformats.org/presentationml/2006/main">
-  <p:cSld>
-    <p:spTree>
-      <p:nvGrpSpPr>
-        <p:cNvPr id="1" name="Shape 241"/>
-        <p:cNvGrpSpPr/>
-        <p:nvPr/>
-      </p:nvGrpSpPr>
-      <p:grpSpPr>
-        <a:xfrm>
-          <a:off x="0" y="0"/>
-          <a:ext cx="0" cy="0"/>
-          <a:chOff x="0" y="0"/>
-          <a:chExt cx="0" cy="0"/>
-        </a:xfrm>
-      </p:grpSpPr>
-      <p:sp>
-        <p:nvSpPr>
-          <p:cNvPr id="242" name="Google Shape;242;p37"/>
-          <p:cNvSpPr txBox="1">
-            <a:spLocks noGrp="1"/>
-          </p:cNvSpPr>
-          <p:nvPr>
-            <p:ph type="title"/>
-          </p:nvPr>
-        </p:nvSpPr>
-        <p:spPr>
-          <a:xfrm>
-            <a:off x="311700" y="445025"/>
-            <a:ext cx="8520600" cy="572700"/>
-          </a:xfrm>
-          <a:prstGeom prst="rect">
-            <a:avLst/>
-          </a:prstGeom>
-          <a:noFill/>
-          <a:ln>
-            <a:noFill/>
-          </a:ln>
-        </p:spPr>
-        <p:txBody>
-          <a:bodyPr spcFirstLastPara="1" wrap="square" lIns="91425" tIns="91425" rIns="91425" bIns="91425" anchor="t" anchorCtr="0">
-            <a:noAutofit/>
-          </a:bodyPr>
-          <a:lstStyle/>
-          <a:p>
-            <a:pPr marL="0" lvl="0" indent="0" algn="l" rtl="0">
-              <a:lnSpc>
-                <a:spcPct val="100000"/>
-              </a:lnSpc>
-              <a:spcBef>
-                <a:spcPts val="0"/>
-              </a:spcBef>
-              <a:spcAft>
-                <a:spcPts val="0"/>
-              </a:spcAft>
-              <a:buSzPts val="2800"/>
-              <a:buNone/>
-            </a:pPr>
-            <a:r>
-              <a:rPr lang="zh-TW" altLang="en-US" dirty="0"/>
-              <a:t>賽前準備</a:t>
-            </a:r>
-            <a:endParaRPr dirty="0">
-              <a:latin typeface="Microsoft JhengHei"/>
-              <a:ea typeface="Microsoft JhengHei"/>
-              <a:cs typeface="Microsoft JhengHei"/>
-              <a:sym typeface="Microsoft JhengHei"/>
-            </a:endParaRPr>
-          </a:p>
-        </p:txBody>
-      </p:sp>
-      <p:sp>
-        <p:nvSpPr>
-          <p:cNvPr id="243" name="Google Shape;243;p37"/>
-          <p:cNvSpPr txBox="1">
-            <a:spLocks noGrp="1"/>
-          </p:cNvSpPr>
-          <p:nvPr>
-            <p:ph type="body" idx="1"/>
-          </p:nvPr>
-        </p:nvSpPr>
-        <p:spPr>
-          <a:xfrm>
-            <a:off x="311699" y="1152475"/>
-            <a:ext cx="8758342" cy="3416400"/>
-          </a:xfrm>
-          <a:prstGeom prst="rect">
-            <a:avLst/>
-          </a:prstGeom>
-          <a:noFill/>
-          <a:ln>
-            <a:noFill/>
-          </a:ln>
-        </p:spPr>
-        <p:txBody>
-          <a:bodyPr spcFirstLastPara="1" wrap="square" lIns="91425" tIns="91425" rIns="91425" bIns="91425" anchor="t" anchorCtr="0">
-            <a:noAutofit/>
-          </a:bodyPr>
-          <a:lstStyle/>
-          <a:p>
-            <a:pPr marL="457200" lvl="0" indent="-342900" algn="l" rtl="0">
-              <a:lnSpc>
-                <a:spcPct val="115000"/>
-              </a:lnSpc>
-              <a:spcBef>
-                <a:spcPts val="0"/>
-              </a:spcBef>
-              <a:spcAft>
-                <a:spcPts val="0"/>
-              </a:spcAft>
-              <a:buSzPts val="1800"/>
-              <a:buChar char="●"/>
-            </a:pPr>
-            <a:r>
-              <a:rPr lang="zh-TW" altLang="en-US" dirty="0"/>
-              <a:t>看好各比賽的官方通知</a:t>
-            </a:r>
-            <a:endParaRPr lang="en-US" altLang="zh-TW" dirty="0"/>
-          </a:p>
-          <a:p>
-            <a:pPr marL="457200" lvl="0" indent="-342900" algn="l" rtl="0">
-              <a:lnSpc>
-                <a:spcPct val="115000"/>
-              </a:lnSpc>
-              <a:spcBef>
-                <a:spcPts val="0"/>
-              </a:spcBef>
-              <a:spcAft>
-                <a:spcPts val="0"/>
-              </a:spcAft>
-              <a:buSzPts val="1800"/>
-              <a:buChar char="●"/>
-            </a:pPr>
-            <a:r>
-              <a:rPr lang="zh-TW" altLang="en-US" dirty="0"/>
-              <a:t>事先準備合規的 </a:t>
-            </a:r>
-            <a:r>
-              <a:rPr lang="en-US" altLang="zh-TW" dirty="0"/>
-              <a:t>codebook</a:t>
-            </a:r>
-            <a:r>
-              <a:rPr lang="zh-TW" altLang="en-US" dirty="0"/>
-              <a:t> </a:t>
-            </a:r>
-            <a:r>
-              <a:rPr lang="en-US" altLang="zh-TW" dirty="0"/>
-              <a:t>(</a:t>
-            </a:r>
-            <a:r>
-              <a:rPr lang="zh-TW" altLang="en-US" dirty="0"/>
-              <a:t>不要訂裝，可能會被拆</a:t>
-            </a:r>
-            <a:r>
-              <a:rPr lang="en-US" altLang="zh-TW" dirty="0"/>
-              <a:t>) </a:t>
-            </a:r>
-            <a:r>
-              <a:rPr lang="zh-TW" altLang="en-US" dirty="0"/>
-              <a:t>去比賽會場，</a:t>
-            </a:r>
-            <a:r>
-              <a:rPr lang="en-US" altLang="zh-TW" dirty="0"/>
-              <a:t>ICPC day1 codebook </a:t>
-            </a:r>
-            <a:r>
-              <a:rPr lang="zh-TW" altLang="en-US" dirty="0"/>
-              <a:t>就要帶齊</a:t>
-            </a:r>
-            <a:endParaRPr lang="en-US" altLang="zh-TW" dirty="0"/>
-          </a:p>
-          <a:p>
-            <a:pPr marL="457200" lvl="0" indent="-342900" algn="l" rtl="0">
-              <a:lnSpc>
-                <a:spcPct val="115000"/>
-              </a:lnSpc>
-              <a:spcBef>
-                <a:spcPts val="0"/>
-              </a:spcBef>
-              <a:spcAft>
-                <a:spcPts val="0"/>
-              </a:spcAft>
-              <a:buSzPts val="1800"/>
-              <a:buChar char="●"/>
-            </a:pPr>
-            <a:r>
-              <a:rPr lang="en-US" altLang="zh-TW" dirty="0">
-                <a:hlinkClick r:id="rId3"/>
-              </a:rPr>
-              <a:t>ICPC regional rule 2023</a:t>
-            </a:r>
-            <a:r>
-              <a:rPr lang="en-US" altLang="zh-TW" dirty="0"/>
-              <a:t>: </a:t>
-            </a:r>
-          </a:p>
-          <a:p>
-            <a:pPr marL="457200" lvl="0" indent="-342900" algn="l" rtl="0">
-              <a:lnSpc>
-                <a:spcPct val="115000"/>
-              </a:lnSpc>
-              <a:spcBef>
-                <a:spcPts val="0"/>
-              </a:spcBef>
-              <a:spcAft>
-                <a:spcPts val="0"/>
-              </a:spcAft>
-              <a:buSzPts val="1800"/>
-              <a:buChar char="●"/>
-            </a:pPr>
-            <a:endParaRPr lang="en-US" altLang="zh-TW" dirty="0"/>
-          </a:p>
-        </p:txBody>
-      </p:sp>
-      <p:sp>
-        <p:nvSpPr>
-          <p:cNvPr id="2" name="投影片編號版面配置區 1">
-            <a:extLst>
-              <a:ext uri="{FF2B5EF4-FFF2-40B4-BE49-F238E27FC236}">
-                <a16:creationId xmlns:a16="http://schemas.microsoft.com/office/drawing/2014/main" id="{E5F2B600-0B8E-4FD9-BC4F-8E04A1563A49}"/>
-              </a:ext>
-            </a:extLst>
-          </p:cNvPr>
-          <p:cNvSpPr>
-            <a:spLocks noGrp="1"/>
-          </p:cNvSpPr>
-          <p:nvPr>
-            <p:ph type="sldNum" idx="12"/>
-          </p:nvPr>
-        </p:nvSpPr>
-        <p:spPr/>
-        <p:txBody>
-          <a:bodyPr/>
-          <a:lstStyle/>
-          <a:p>
-            <a:pPr marL="0" lvl="0" indent="0" algn="r" rtl="0">
-              <a:spcBef>
-                <a:spcPts val="0"/>
-              </a:spcBef>
-              <a:spcAft>
-                <a:spcPts val="0"/>
-              </a:spcAft>
-              <a:buNone/>
-            </a:pPr>
-            <a:fld id="{00000000-1234-1234-1234-123412341234}" type="slidenum">
-              <a:rPr lang="en-US" smtClean="0"/>
-              <a:t>22</a:t>
             </a:fld>
             <a:endParaRPr lang="en-US" dirty="0"/>
           </a:p>
@@ -15990,7 +15539,7 @@
 </p:sld>
 </file>
 
-<file path=ppt/slides/slide23.xml><?xml version="1.0" encoding="utf-8"?>
+<file path=ppt/slides/slide22.xml><?xml version="1.0" encoding="utf-8"?>
 <p:sld xmlns:a="http://schemas.openxmlformats.org/drawingml/2006/main" xmlns:r="http://schemas.openxmlformats.org/officeDocument/2006/relationships" xmlns:p="http://schemas.openxmlformats.org/presentationml/2006/main">
   <p:cSld>
     <p:spTree>
@@ -16403,7 +15952,7 @@
             </a:pPr>
             <a:fld id="{00000000-1234-1234-1234-123412341234}" type="slidenum">
               <a:rPr lang="en-US" smtClean="0"/>
-              <a:t>23</a:t>
+              <a:t>22</a:t>
             </a:fld>
             <a:endParaRPr lang="en-US" dirty="0"/>
           </a:p>
@@ -18421,8 +17970,8 @@
           </a:p>
         </p:txBody>
       </p:sp>
-      <mc:AlternateContent xmlns:mc="http://schemas.openxmlformats.org/markup-compatibility/2006">
-        <mc:Choice xmlns:a14="http://schemas.microsoft.com/office/drawing/2010/main" Requires="a14">
+      <mc:AlternateContent xmlns:mc="http://schemas.openxmlformats.org/markup-compatibility/2006" xmlns:a14="http://schemas.microsoft.com/office/drawing/2010/main">
+        <mc:Choice Requires="a14">
           <p:sp>
             <p:nvSpPr>
               <p:cNvPr id="243" name="Google Shape;243;p37"/>
@@ -18756,7 +18305,7 @@
             </p:txBody>
           </p:sp>
         </mc:Choice>
-        <mc:Fallback>
+        <mc:Fallback xmlns="">
           <p:sp>
             <p:nvSpPr>
               <p:cNvPr id="243" name="Google Shape;243;p37"/>
